--- a/safeguarding/en/lessons/barriers_reporting.pptx
+++ b/safeguarding/en/lessons/barriers_reporting.pptx
@@ -5,19 +5,20 @@
     <p:sldMasterId id="2147483648" r:id="rId1"/>
   </p:sldMasterIdLst>
   <p:notesMasterIdLst>
-    <p:notesMasterId r:id="rId7"/>
+    <p:notesMasterId r:id="rId8"/>
   </p:notesMasterIdLst>
   <p:sldIdLst>
     <p:sldId id="343" r:id="rId2"/>
     <p:sldId id="348" r:id="rId3"/>
-    <p:sldId id="349" r:id="rId4"/>
-    <p:sldId id="350" r:id="rId5"/>
-    <p:sldId id="351" r:id="rId6"/>
+    <p:sldId id="352" r:id="rId4"/>
+    <p:sldId id="354" r:id="rId5"/>
+    <p:sldId id="355" r:id="rId6"/>
+    <p:sldId id="351" r:id="rId7"/>
   </p:sldIdLst>
   <p:sldSz cx="12192000" cy="6858000"/>
   <p:notesSz cx="6858000" cy="9144000"/>
   <p:custDataLst>
-    <p:tags r:id="rId8"/>
+    <p:tags r:id="rId9"/>
   </p:custDataLst>
   <p:defaultTextStyle>
     <a:defPPr>
@@ -260,7 +261,7 @@
           <a:p>
             <a:fld id="{CD4A716A-96FF-444E-85A3-889DB32D1FBA}" type="datetimeFigureOut">
               <a:rPr lang="ru-RU" smtClean="0"/>
-              <a:t>16.09.2024</a:t>
+              <a:t>19.09.2024</a:t>
             </a:fld>
             <a:endParaRPr lang="ru-RU"/>
           </a:p>
@@ -769,7 +770,7 @@
     </p:spTree>
     <p:extLst>
       <p:ext uri="{BB962C8B-B14F-4D97-AF65-F5344CB8AC3E}">
-        <p14:creationId xmlns:p14="http://schemas.microsoft.com/office/powerpoint/2010/main" val="858062335"/>
+        <p14:creationId xmlns:p14="http://schemas.microsoft.com/office/powerpoint/2010/main" val="4151668845"/>
       </p:ext>
     </p:extLst>
   </p:cSld>
@@ -853,7 +854,7 @@
     </p:spTree>
     <p:extLst>
       <p:ext uri="{BB962C8B-B14F-4D97-AF65-F5344CB8AC3E}">
-        <p14:creationId xmlns:p14="http://schemas.microsoft.com/office/powerpoint/2010/main" val="742851845"/>
+        <p14:creationId xmlns:p14="http://schemas.microsoft.com/office/powerpoint/2010/main" val="1865097889"/>
       </p:ext>
     </p:extLst>
   </p:cSld>
@@ -929,6 +930,90 @@
             <a:fld id="{95E4AF92-FB35-FC4B-A1DD-7C909C20A5EE}" type="slidenum">
               <a:rPr lang="ru-RU" smtClean="0"/>
               <a:t>5</a:t>
+            </a:fld>
+            <a:endParaRPr lang="ru-RU"/>
+          </a:p>
+        </p:txBody>
+      </p:sp>
+    </p:spTree>
+    <p:extLst>
+      <p:ext uri="{BB962C8B-B14F-4D97-AF65-F5344CB8AC3E}">
+        <p14:creationId xmlns:p14="http://schemas.microsoft.com/office/powerpoint/2010/main" val="599323059"/>
+      </p:ext>
+    </p:extLst>
+  </p:cSld>
+  <p:clrMapOvr>
+    <a:masterClrMapping/>
+  </p:clrMapOvr>
+</p:notes>
+</file>
+
+<file path=ppt/notesSlides/notesSlide6.xml><?xml version="1.0" encoding="utf-8"?>
+<p:notes xmlns:a="http://schemas.openxmlformats.org/drawingml/2006/main" xmlns:r="http://schemas.openxmlformats.org/officeDocument/2006/relationships" xmlns:p="http://schemas.openxmlformats.org/presentationml/2006/main">
+  <p:cSld>
+    <p:spTree>
+      <p:nvGrpSpPr>
+        <p:cNvPr id="1" name=""/>
+        <p:cNvGrpSpPr/>
+        <p:nvPr/>
+      </p:nvGrpSpPr>
+      <p:grpSpPr>
+        <a:xfrm>
+          <a:off x="0" y="0"/>
+          <a:ext cx="0" cy="0"/>
+          <a:chOff x="0" y="0"/>
+          <a:chExt cx="0" cy="0"/>
+        </a:xfrm>
+      </p:grpSpPr>
+      <p:sp>
+        <p:nvSpPr>
+          <p:cNvPr id="2" name="Slide Image Placeholder 1"/>
+          <p:cNvSpPr>
+            <a:spLocks noGrp="1" noRot="1" noChangeAspect="1"/>
+          </p:cNvSpPr>
+          <p:nvPr>
+            <p:ph type="sldImg"/>
+          </p:nvPr>
+        </p:nvSpPr>
+        <p:spPr/>
+      </p:sp>
+      <p:sp>
+        <p:nvSpPr>
+          <p:cNvPr id="3" name="Notes Placeholder 2"/>
+          <p:cNvSpPr>
+            <a:spLocks noGrp="1"/>
+          </p:cNvSpPr>
+          <p:nvPr>
+            <p:ph type="body" idx="1"/>
+          </p:nvPr>
+        </p:nvSpPr>
+        <p:spPr/>
+        <p:txBody>
+          <a:bodyPr/>
+          <a:lstStyle/>
+          <a:p>
+            <a:endParaRPr lang="en-US"/>
+          </a:p>
+        </p:txBody>
+      </p:sp>
+      <p:sp>
+        <p:nvSpPr>
+          <p:cNvPr id="4" name="Slide Number Placeholder 3"/>
+          <p:cNvSpPr>
+            <a:spLocks noGrp="1"/>
+          </p:cNvSpPr>
+          <p:nvPr>
+            <p:ph type="sldNum" sz="quarter" idx="5"/>
+          </p:nvPr>
+        </p:nvSpPr>
+        <p:spPr/>
+        <p:txBody>
+          <a:bodyPr/>
+          <a:lstStyle/>
+          <a:p>
+            <a:fld id="{95E4AF92-FB35-FC4B-A1DD-7C909C20A5EE}" type="slidenum">
+              <a:rPr lang="ru-RU" smtClean="0"/>
+              <a:t>6</a:t>
             </a:fld>
             <a:endParaRPr lang="ru-RU"/>
           </a:p>
@@ -1094,7 +1179,7 @@
           <a:p>
             <a:fld id="{4507D0C9-DCEA-F448-A25E-CBBFA477327C}" type="datetimeFigureOut">
               <a:rPr lang="ru-RU" smtClean="0"/>
-              <a:t>16.09.2024</a:t>
+              <a:t>19.09.2024</a:t>
             </a:fld>
             <a:endParaRPr lang="ru-RU"/>
           </a:p>
@@ -1207,7 +1292,7 @@
           <a:p>
             <a:fld id="{4507D0C9-DCEA-F448-A25E-CBBFA477327C}" type="datetimeFigureOut">
               <a:rPr lang="ru-RU" smtClean="0"/>
-              <a:t>16.09.2024</a:t>
+              <a:t>19.09.2024</a:t>
             </a:fld>
             <a:endParaRPr lang="ru-RU"/>
           </a:p>
@@ -1455,7 +1540,7 @@
           <a:p>
             <a:fld id="{4507D0C9-DCEA-F448-A25E-CBBFA477327C}" type="datetimeFigureOut">
               <a:rPr lang="ru-RU" smtClean="0"/>
-              <a:t>16.09.2024</a:t>
+              <a:t>19.09.2024</a:t>
             </a:fld>
             <a:endParaRPr lang="ru-RU"/>
           </a:p>
@@ -1884,40 +1969,6 @@
           <a:chExt cx="0" cy="0"/>
         </a:xfrm>
       </p:grpSpPr>
-      <p:pic>
-        <p:nvPicPr>
-          <p:cNvPr id="4" name="Picture 3">
-            <a:extLst>
-              <a:ext uri="{FF2B5EF4-FFF2-40B4-BE49-F238E27FC236}">
-                <a16:creationId xmlns:a16="http://schemas.microsoft.com/office/drawing/2014/main" id="{A39249F1-71AA-A8FE-2FDD-8F7AE33F594E}"/>
-              </a:ext>
-            </a:extLst>
-          </p:cNvPr>
-          <p:cNvPicPr>
-            <a:picLocks noChangeAspect="1"/>
-          </p:cNvPicPr>
-          <p:nvPr>
-            <p:custDataLst>
-              <p:tags r:id="rId2"/>
-            </p:custDataLst>
-          </p:nvPr>
-        </p:nvPicPr>
-        <p:blipFill>
-          <a:blip r:embed="rId6"/>
-          <a:stretch>
-            <a:fillRect/>
-          </a:stretch>
-        </p:blipFill>
-        <p:spPr>
-          <a:xfrm>
-            <a:off x="8582926" y="259772"/>
-            <a:ext cx="3609074" cy="10980378"/>
-          </a:xfrm>
-          <a:prstGeom prst="rect">
-            <a:avLst/>
-          </a:prstGeom>
-        </p:spPr>
-      </p:pic>
       <p:sp>
         <p:nvSpPr>
           <p:cNvPr id="8" name="Title">
@@ -1935,7 +1986,7 @@
         <p:spPr>
           <a:xfrm>
             <a:off x="443052" y="1911926"/>
-            <a:ext cx="7059184" cy="1299323"/>
+            <a:ext cx="7441774" cy="1299323"/>
           </a:xfrm>
           <a:prstGeom prst="rect">
             <a:avLst/>
@@ -2044,6 +2095,40 @@
           </a:p>
         </p:txBody>
       </p:sp>
+      <p:pic>
+        <p:nvPicPr>
+          <p:cNvPr id="5" name="Picture 4"/>
+          <p:cNvPicPr>
+            <a:picLocks noChangeAspect="1"/>
+          </p:cNvPicPr>
+          <p:nvPr>
+            <p:custDataLst>
+              <p:tags r:id="rId2"/>
+            </p:custDataLst>
+          </p:nvPr>
+        </p:nvPicPr>
+        <p:blipFill>
+          <a:blip r:embed="rId6">
+            <a:extLst>
+              <a:ext uri="{28A0092B-C50C-407E-A947-70E740481C1C}">
+                <a14:useLocalDpi xmlns:a14="http://schemas.microsoft.com/office/drawing/2010/main" val="0"/>
+              </a:ext>
+            </a:extLst>
+          </a:blip>
+          <a:stretch>
+            <a:fillRect/>
+          </a:stretch>
+        </p:blipFill>
+        <p:spPr>
+          <a:xfrm>
+            <a:off x="8405887" y="1491751"/>
+            <a:ext cx="2896695" cy="8851462"/>
+          </a:xfrm>
+          <a:prstGeom prst="rect">
+            <a:avLst/>
+          </a:prstGeom>
+        </p:spPr>
+      </p:pic>
     </p:spTree>
     <p:custDataLst>
       <p:tags r:id="rId1"/>
@@ -2057,6 +2142,14 @@
   <p:clrMapOvr>
     <a:masterClrMapping/>
   </p:clrMapOvr>
+  <mc:AlternateContent xmlns:mc="http://schemas.openxmlformats.org/markup-compatibility/2006">
+    <mc:Choice xmlns:p14="http://schemas.microsoft.com/office/powerpoint/2010/main" Requires="p14">
+      <p:transition spd="slow" p14:dur="2000" advClick="0"/>
+    </mc:Choice>
+    <mc:Fallback>
+      <p:transition spd="slow" advClick="0"/>
+    </mc:Fallback>
+  </mc:AlternateContent>
   <p:timing>
     <p:tnLst>
       <p:par>
@@ -2114,15 +2207,166 @@
           </a:prstGeom>
         </p:spPr>
       </p:pic>
+      <p:sp>
+        <p:nvSpPr>
+          <p:cNvPr id="3" name="Rounded Rectangle 2"/>
+          <p:cNvSpPr/>
+          <p:nvPr/>
+        </p:nvSpPr>
+        <p:spPr>
+          <a:xfrm>
+            <a:off x="419725" y="1064302"/>
+            <a:ext cx="7105337" cy="5561350"/>
+          </a:xfrm>
+          <a:prstGeom prst="roundRect">
+            <a:avLst/>
+          </a:prstGeom>
+          <a:solidFill>
+            <a:schemeClr val="bg1"/>
+          </a:solidFill>
+          <a:ln w="38100"/>
+        </p:spPr>
+        <p:style>
+          <a:lnRef idx="2">
+            <a:schemeClr val="accent2"/>
+          </a:lnRef>
+          <a:fillRef idx="1">
+            <a:schemeClr val="lt1"/>
+          </a:fillRef>
+          <a:effectRef idx="0">
+            <a:schemeClr val="accent2"/>
+          </a:effectRef>
+          <a:fontRef idx="minor">
+            <a:schemeClr val="dk1"/>
+          </a:fontRef>
+        </p:style>
+        <p:txBody>
+          <a:bodyPr rtlCol="0" anchor="ctr"/>
+          <a:lstStyle/>
+          <a:p>
+            <a:r>
+              <a:rPr lang="en-US" sz="2400" dirty="0">
+                <a:solidFill>
+                  <a:schemeClr val="tx1"/>
+                </a:solidFill>
+              </a:rPr>
+              <a:t>There are several barriers to reporting, some that to the beneficiaries like: </a:t>
+            </a:r>
+            <a:endParaRPr lang="en-US" sz="2400" dirty="0" smtClean="0">
+              <a:solidFill>
+                <a:schemeClr val="tx1"/>
+              </a:solidFill>
+            </a:endParaRPr>
+          </a:p>
+          <a:p>
+            <a:endParaRPr lang="en-US" sz="2400" dirty="0">
+              <a:solidFill>
+                <a:schemeClr val="tx1"/>
+              </a:solidFill>
+            </a:endParaRPr>
+          </a:p>
+          <a:p>
+            <a:pPr marL="285750" indent="-285750" fontAlgn="base">
+              <a:buFont typeface="Arial" panose="020B0604020202020204" pitchFamily="34" charset="0"/>
+              <a:buChar char="•"/>
+            </a:pPr>
+            <a:r>
+              <a:rPr lang="en-US" sz="2400" dirty="0" smtClean="0">
+                <a:solidFill>
+                  <a:schemeClr val="tx1"/>
+                </a:solidFill>
+              </a:rPr>
+              <a:t>Stigma</a:t>
+            </a:r>
+            <a:endParaRPr lang="en-US" sz="2400" dirty="0">
+              <a:solidFill>
+                <a:schemeClr val="tx1"/>
+              </a:solidFill>
+            </a:endParaRPr>
+          </a:p>
+          <a:p>
+            <a:pPr marL="285750" indent="-285750" fontAlgn="base">
+              <a:buFont typeface="Arial" panose="020B0604020202020204" pitchFamily="34" charset="0"/>
+              <a:buChar char="•"/>
+            </a:pPr>
+            <a:r>
+              <a:rPr lang="en-US" sz="2400" dirty="0">
+                <a:solidFill>
+                  <a:schemeClr val="tx1"/>
+                </a:solidFill>
+              </a:rPr>
+              <a:t>Shame</a:t>
+            </a:r>
+          </a:p>
+          <a:p>
+            <a:pPr marL="285750" indent="-285750" fontAlgn="base">
+              <a:buFont typeface="Arial" panose="020B0604020202020204" pitchFamily="34" charset="0"/>
+              <a:buChar char="•"/>
+            </a:pPr>
+            <a:r>
+              <a:rPr lang="en-US" sz="2400" dirty="0">
+                <a:solidFill>
+                  <a:schemeClr val="tx1"/>
+                </a:solidFill>
+              </a:rPr>
+              <a:t>Fear of retaliation</a:t>
+            </a:r>
+          </a:p>
+          <a:p>
+            <a:pPr marL="285750" indent="-285750" fontAlgn="base">
+              <a:buFont typeface="Arial" panose="020B0604020202020204" pitchFamily="34" charset="0"/>
+              <a:buChar char="•"/>
+            </a:pPr>
+            <a:r>
+              <a:rPr lang="en-US" sz="2400" dirty="0">
+                <a:solidFill>
+                  <a:schemeClr val="tx1"/>
+                </a:solidFill>
+              </a:rPr>
+              <a:t>Fear of losing assistance</a:t>
+            </a:r>
+          </a:p>
+          <a:p>
+            <a:pPr marL="285750" indent="-285750" fontAlgn="base">
+              <a:buFont typeface="Arial" panose="020B0604020202020204" pitchFamily="34" charset="0"/>
+              <a:buChar char="•"/>
+            </a:pPr>
+            <a:r>
+              <a:rPr lang="en-US" sz="2400" dirty="0">
+                <a:solidFill>
+                  <a:schemeClr val="tx1"/>
+                </a:solidFill>
+              </a:rPr>
+              <a:t>Not knowing how to report</a:t>
+            </a:r>
+          </a:p>
+          <a:p>
+            <a:pPr marL="285750" indent="-285750" fontAlgn="base">
+              <a:buFont typeface="Arial" panose="020B0604020202020204" pitchFamily="34" charset="0"/>
+              <a:buChar char="•"/>
+            </a:pPr>
+            <a:r>
+              <a:rPr lang="en-US" sz="2400" dirty="0">
+                <a:solidFill>
+                  <a:schemeClr val="tx1"/>
+                </a:solidFill>
+              </a:rPr>
+              <a:t>Lack of trust in reporting mechanisms, etc.</a:t>
+            </a:r>
+          </a:p>
+          <a:p>
+            <a:pPr algn="ctr"/>
+            <a:endParaRPr lang="en-US" dirty="0">
+              <a:solidFill>
+                <a:schemeClr val="tx1"/>
+              </a:solidFill>
+            </a:endParaRPr>
+          </a:p>
+        </p:txBody>
+      </p:sp>
       <p:pic>
         <p:nvPicPr>
-          <p:cNvPr id="4" name="Picture 3">
-            <a:extLst>
-              <a:ext uri="{FF2B5EF4-FFF2-40B4-BE49-F238E27FC236}">
-                <a16:creationId xmlns:a16="http://schemas.microsoft.com/office/drawing/2014/main" id="{EFDAAC91-7072-92DE-8D20-A223CC05B78D}"/>
-              </a:ext>
-            </a:extLst>
-          </p:cNvPr>
+          <p:cNvPr id="5" name="Picture 4"/>
           <p:cNvPicPr>
             <a:picLocks noChangeAspect="1"/>
           </p:cNvPicPr>
@@ -2133,171 +2377,27 @@
           </p:nvPr>
         </p:nvPicPr>
         <p:blipFill>
-          <a:blip r:embed="rId6"/>
+          <a:blip r:embed="rId6">
+            <a:extLst>
+              <a:ext uri="{28A0092B-C50C-407E-A947-70E740481C1C}">
+                <a14:useLocalDpi xmlns:a14="http://schemas.microsoft.com/office/drawing/2010/main" val="0"/>
+              </a:ext>
+            </a:extLst>
+          </a:blip>
           <a:stretch>
             <a:fillRect/>
           </a:stretch>
         </p:blipFill>
         <p:spPr>
           <a:xfrm>
-            <a:off x="8328978" y="253277"/>
-            <a:ext cx="3607780" cy="12149843"/>
+            <a:off x="8379501" y="659567"/>
+            <a:ext cx="3411567" cy="10424763"/>
           </a:xfrm>
           <a:prstGeom prst="rect">
             <a:avLst/>
           </a:prstGeom>
         </p:spPr>
       </p:pic>
-      <p:sp>
-        <p:nvSpPr>
-          <p:cNvPr id="10" name="Rectangle: Rounded Corners 9">
-            <a:extLst>
-              <a:ext uri="{FF2B5EF4-FFF2-40B4-BE49-F238E27FC236}">
-                <a16:creationId xmlns:a16="http://schemas.microsoft.com/office/drawing/2014/main" id="{5D335765-A9E1-D06A-602C-53303AF812BF}"/>
-              </a:ext>
-            </a:extLst>
-          </p:cNvPr>
-          <p:cNvSpPr/>
-          <p:nvPr/>
-        </p:nvSpPr>
-        <p:spPr>
-          <a:xfrm>
-            <a:off x="411079" y="690343"/>
-            <a:ext cx="7768867" cy="5284430"/>
-          </a:xfrm>
-          <a:prstGeom prst="roundRect">
-            <a:avLst>
-              <a:gd name="adj" fmla="val 9503"/>
-            </a:avLst>
-          </a:prstGeom>
-          <a:solidFill>
-            <a:schemeClr val="bg1"/>
-          </a:solidFill>
-          <a:ln w="38100">
-            <a:solidFill>
-              <a:schemeClr val="accent2">
-                <a:lumMod val="60000"/>
-                <a:lumOff val="40000"/>
-              </a:schemeClr>
-            </a:solidFill>
-          </a:ln>
-        </p:spPr>
-        <p:style>
-          <a:lnRef idx="2">
-            <a:schemeClr val="accent1">
-              <a:shade val="15000"/>
-            </a:schemeClr>
-          </a:lnRef>
-          <a:fillRef idx="1">
-            <a:schemeClr val="accent1"/>
-          </a:fillRef>
-          <a:effectRef idx="0">
-            <a:schemeClr val="accent1"/>
-          </a:effectRef>
-          <a:fontRef idx="minor">
-            <a:schemeClr val="lt1"/>
-          </a:fontRef>
-        </p:style>
-        <p:txBody>
-          <a:bodyPr rtlCol="0" anchor="ctr"/>
-          <a:lstStyle/>
-          <a:p>
-            <a:pPr algn="ctr"/>
-            <a:r>
-              <a:rPr lang="en-US" sz="2800" dirty="0">
-                <a:solidFill>
-                  <a:schemeClr val="tx1"/>
-                </a:solidFill>
-              </a:rPr>
-              <a:t>There are several reasons that make these numbers lower than what we expected and this is because of many barriers that stop the person from reporting. These are mainly:</a:t>
-            </a:r>
-          </a:p>
-          <a:p>
-            <a:pPr marL="457200" indent="-457200">
-              <a:buFont typeface="Arial" panose="020B0604020202020204" pitchFamily="34" charset="0"/>
-              <a:buChar char="•"/>
-            </a:pPr>
-            <a:r>
-              <a:rPr lang="en-US" sz="2800" dirty="0">
-                <a:solidFill>
-                  <a:schemeClr val="tx1"/>
-                </a:solidFill>
-              </a:rPr>
-              <a:t>Stigma</a:t>
-            </a:r>
-          </a:p>
-          <a:p>
-            <a:pPr marL="457200" indent="-457200">
-              <a:buFont typeface="Arial" panose="020B0604020202020204" pitchFamily="34" charset="0"/>
-              <a:buChar char="•"/>
-            </a:pPr>
-            <a:r>
-              <a:rPr lang="en-US" sz="2800" dirty="0">
-                <a:solidFill>
-                  <a:schemeClr val="tx1"/>
-                </a:solidFill>
-              </a:rPr>
-              <a:t>Shame</a:t>
-            </a:r>
-          </a:p>
-          <a:p>
-            <a:pPr marL="457200" indent="-457200">
-              <a:buFont typeface="Arial" panose="020B0604020202020204" pitchFamily="34" charset="0"/>
-              <a:buChar char="•"/>
-            </a:pPr>
-            <a:r>
-              <a:rPr lang="en-US" sz="2800" dirty="0">
-                <a:solidFill>
-                  <a:schemeClr val="tx1"/>
-                </a:solidFill>
-              </a:rPr>
-              <a:t>Fear of retaliation</a:t>
-            </a:r>
-          </a:p>
-          <a:p>
-            <a:pPr marL="457200" indent="-457200">
-              <a:buFont typeface="Arial" panose="020B0604020202020204" pitchFamily="34" charset="0"/>
-              <a:buChar char="•"/>
-            </a:pPr>
-            <a:r>
-              <a:rPr lang="en-US" sz="2800" dirty="0">
-                <a:solidFill>
-                  <a:schemeClr val="tx1"/>
-                </a:solidFill>
-              </a:rPr>
-              <a:t>Fear of losing assistance</a:t>
-            </a:r>
-          </a:p>
-          <a:p>
-            <a:pPr marL="457200" indent="-457200">
-              <a:buFont typeface="Arial" panose="020B0604020202020204" pitchFamily="34" charset="0"/>
-              <a:buChar char="•"/>
-            </a:pPr>
-            <a:r>
-              <a:rPr lang="en-US" sz="2800" dirty="0">
-                <a:solidFill>
-                  <a:schemeClr val="tx1"/>
-                </a:solidFill>
-              </a:rPr>
-              <a:t>Not knowing how to report</a:t>
-            </a:r>
-          </a:p>
-          <a:p>
-            <a:pPr marL="457200" indent="-457200">
-              <a:buFont typeface="Arial" panose="020B0604020202020204" pitchFamily="34" charset="0"/>
-              <a:buChar char="•"/>
-            </a:pPr>
-            <a:r>
-              <a:rPr lang="en-US" sz="2800" dirty="0">
-                <a:solidFill>
-                  <a:schemeClr val="tx1"/>
-                </a:solidFill>
-              </a:rPr>
-              <a:t>Lack of trust in reporting mechanisms, etc.</a:t>
-            </a:r>
-          </a:p>
-        </p:txBody>
-      </p:sp>
     </p:spTree>
     <p:custDataLst>
       <p:tags r:id="rId1"/>
@@ -2311,6 +2411,14 @@
   <p:clrMapOvr>
     <a:masterClrMapping/>
   </p:clrMapOvr>
+  <mc:AlternateContent xmlns:mc="http://schemas.openxmlformats.org/markup-compatibility/2006">
+    <mc:Choice xmlns:p14="http://schemas.microsoft.com/office/powerpoint/2010/main" Requires="p14">
+      <p:transition spd="slow" p14:dur="2000" advClick="0"/>
+    </mc:Choice>
+    <mc:Fallback>
+      <p:transition spd="slow" advClick="0"/>
+    </mc:Fallback>
+  </mc:AlternateContent>
   <p:timing>
     <p:tnLst>
       <p:par>
@@ -2368,15 +2476,70 @@
           </a:prstGeom>
         </p:spPr>
       </p:pic>
+      <p:sp>
+        <p:nvSpPr>
+          <p:cNvPr id="3" name="Rounded Rectangle 2"/>
+          <p:cNvSpPr/>
+          <p:nvPr/>
+        </p:nvSpPr>
+        <p:spPr>
+          <a:xfrm>
+            <a:off x="725227" y="1379095"/>
+            <a:ext cx="6185239" cy="2953062"/>
+          </a:xfrm>
+          <a:prstGeom prst="roundRect">
+            <a:avLst/>
+          </a:prstGeom>
+          <a:solidFill>
+            <a:schemeClr val="bg1"/>
+          </a:solidFill>
+          <a:ln w="38100"/>
+        </p:spPr>
+        <p:style>
+          <a:lnRef idx="2">
+            <a:schemeClr val="accent2"/>
+          </a:lnRef>
+          <a:fillRef idx="1">
+            <a:schemeClr val="lt1"/>
+          </a:fillRef>
+          <a:effectRef idx="0">
+            <a:schemeClr val="accent2"/>
+          </a:effectRef>
+          <a:fontRef idx="minor">
+            <a:schemeClr val="dk1"/>
+          </a:fontRef>
+        </p:style>
+        <p:txBody>
+          <a:bodyPr rtlCol="0" anchor="ctr"/>
+          <a:lstStyle/>
+          <a:p>
+            <a:r>
+              <a:rPr lang="en-US" sz="2400" dirty="0">
+                <a:solidFill>
+                  <a:schemeClr val="tx1"/>
+                </a:solidFill>
+              </a:rPr>
+              <a:t>Thus, as aid workers we should always create a safe space for beneficiaries for them to be able to open up when they face any difficulty</a:t>
+            </a:r>
+            <a:r>
+              <a:rPr lang="en-US" sz="2400" dirty="0" smtClean="0">
+                <a:solidFill>
+                  <a:schemeClr val="tx1"/>
+                </a:solidFill>
+              </a:rPr>
+              <a:t>.</a:t>
+            </a:r>
+            <a:endParaRPr lang="en-US" sz="2400" dirty="0">
+              <a:solidFill>
+                <a:schemeClr val="tx1"/>
+              </a:solidFill>
+            </a:endParaRPr>
+          </a:p>
+        </p:txBody>
+      </p:sp>
       <p:pic>
         <p:nvPicPr>
-          <p:cNvPr id="4" name="Picture 3">
-            <a:extLst>
-              <a:ext uri="{FF2B5EF4-FFF2-40B4-BE49-F238E27FC236}">
-                <a16:creationId xmlns:a16="http://schemas.microsoft.com/office/drawing/2014/main" id="{EFDAAC91-7072-92DE-8D20-A223CC05B78D}"/>
-              </a:ext>
-            </a:extLst>
-          </p:cNvPr>
+          <p:cNvPr id="5" name="Picture 4"/>
           <p:cNvPicPr>
             <a:picLocks noChangeAspect="1"/>
           </p:cNvPicPr>
@@ -2387,151 +2550,48 @@
           </p:nvPr>
         </p:nvPicPr>
         <p:blipFill>
-          <a:blip r:embed="rId6"/>
+          <a:blip r:embed="rId6">
+            <a:extLst>
+              <a:ext uri="{28A0092B-C50C-407E-A947-70E740481C1C}">
+                <a14:useLocalDpi xmlns:a14="http://schemas.microsoft.com/office/drawing/2010/main" val="0"/>
+              </a:ext>
+            </a:extLst>
+          </a:blip>
           <a:stretch>
             <a:fillRect/>
           </a:stretch>
         </p:blipFill>
         <p:spPr>
           <a:xfrm>
-            <a:off x="8328978" y="253277"/>
-            <a:ext cx="3607780" cy="12149843"/>
+            <a:off x="8960524" y="348836"/>
+            <a:ext cx="3231476" cy="9874456"/>
           </a:xfrm>
           <a:prstGeom prst="rect">
             <a:avLst/>
           </a:prstGeom>
         </p:spPr>
       </p:pic>
-      <p:sp>
-        <p:nvSpPr>
-          <p:cNvPr id="10" name="Rectangle: Rounded Corners 9">
-            <a:extLst>
-              <a:ext uri="{FF2B5EF4-FFF2-40B4-BE49-F238E27FC236}">
-                <a16:creationId xmlns:a16="http://schemas.microsoft.com/office/drawing/2014/main" id="{5D335765-A9E1-D06A-602C-53303AF812BF}"/>
-              </a:ext>
-            </a:extLst>
-          </p:cNvPr>
-          <p:cNvSpPr/>
-          <p:nvPr/>
-        </p:nvSpPr>
-        <p:spPr>
-          <a:xfrm>
-            <a:off x="411079" y="758537"/>
-            <a:ext cx="7768867" cy="5198066"/>
-          </a:xfrm>
-          <a:prstGeom prst="roundRect">
-            <a:avLst>
-              <a:gd name="adj" fmla="val 9503"/>
-            </a:avLst>
-          </a:prstGeom>
-          <a:solidFill>
-            <a:schemeClr val="bg1"/>
-          </a:solidFill>
-          <a:ln w="38100">
-            <a:solidFill>
-              <a:schemeClr val="accent2">
-                <a:lumMod val="60000"/>
-                <a:lumOff val="40000"/>
-              </a:schemeClr>
-            </a:solidFill>
-          </a:ln>
-        </p:spPr>
-        <p:style>
-          <a:lnRef idx="2">
-            <a:schemeClr val="accent1">
-              <a:shade val="15000"/>
-            </a:schemeClr>
-          </a:lnRef>
-          <a:fillRef idx="1">
-            <a:schemeClr val="accent1"/>
-          </a:fillRef>
-          <a:effectRef idx="0">
-            <a:schemeClr val="accent1"/>
-          </a:effectRef>
-          <a:fontRef idx="minor">
-            <a:schemeClr val="lt1"/>
-          </a:fontRef>
-        </p:style>
-        <p:txBody>
-          <a:bodyPr rtlCol="0" anchor="ctr"/>
-          <a:lstStyle/>
-          <a:p>
-            <a:r>
-              <a:rPr lang="en-US" sz="2800" dirty="0">
-                <a:solidFill>
-                  <a:schemeClr val="tx1"/>
-                </a:solidFill>
-              </a:rPr>
-              <a:t>But there are some others that apply to aid workers too. When we talk about safeguarding, we are talking about a misconduct done by a colleague</a:t>
-            </a:r>
-            <a:r>
-              <a:rPr lang="en-US" sz="2800" dirty="0" smtClean="0">
-                <a:solidFill>
-                  <a:schemeClr val="tx1"/>
-                </a:solidFill>
-              </a:rPr>
-              <a:t>.</a:t>
-            </a:r>
-          </a:p>
-          <a:p>
-            <a:endParaRPr lang="en-US" sz="2800" dirty="0">
-              <a:solidFill>
-                <a:schemeClr val="tx1"/>
-              </a:solidFill>
-            </a:endParaRPr>
-          </a:p>
-          <a:p>
-            <a:r>
-              <a:rPr lang="en-US" sz="2800" dirty="0">
-                <a:solidFill>
-                  <a:schemeClr val="tx1"/>
-                </a:solidFill>
-              </a:rPr>
-              <a:t>So if you learn about a misconduct done by a colleague you still need to report to protect the victim and the organization.</a:t>
-            </a:r>
-            <a:endParaRPr lang="en-US" sz="2800" dirty="0">
-              <a:solidFill>
-                <a:schemeClr val="tx1"/>
-              </a:solidFill>
-            </a:endParaRPr>
-          </a:p>
-          <a:p>
-            <a:r>
-              <a:rPr lang="en-US" sz="2800" dirty="0">
-                <a:solidFill>
-                  <a:schemeClr val="tx1"/>
-                </a:solidFill>
-              </a:rPr>
-              <a:t/>
-            </a:r>
-            <a:br>
-              <a:rPr lang="en-US" sz="2800" dirty="0">
-                <a:solidFill>
-                  <a:schemeClr val="tx1"/>
-                </a:solidFill>
-              </a:rPr>
-            </a:br>
-            <a:endParaRPr lang="en-US" sz="2800" dirty="0">
-              <a:solidFill>
-                <a:schemeClr val="tx1"/>
-              </a:solidFill>
-            </a:endParaRPr>
-          </a:p>
-        </p:txBody>
-      </p:sp>
     </p:spTree>
     <p:custDataLst>
       <p:tags r:id="rId1"/>
     </p:custDataLst>
     <p:extLst>
       <p:ext uri="{BB962C8B-B14F-4D97-AF65-F5344CB8AC3E}">
-        <p14:creationId xmlns:p14="http://schemas.microsoft.com/office/powerpoint/2010/main" val="1324303616"/>
+        <p14:creationId xmlns:p14="http://schemas.microsoft.com/office/powerpoint/2010/main" val="2673486742"/>
       </p:ext>
     </p:extLst>
   </p:cSld>
   <p:clrMapOvr>
     <a:masterClrMapping/>
   </p:clrMapOvr>
+  <mc:AlternateContent xmlns:mc="http://schemas.openxmlformats.org/markup-compatibility/2006">
+    <mc:Choice xmlns:p14="http://schemas.microsoft.com/office/powerpoint/2010/main" Requires="p14">
+      <p:transition spd="slow" p14:dur="2000" advClick="0"/>
+    </mc:Choice>
+    <mc:Fallback>
+      <p:transition spd="slow" advClick="0"/>
+    </mc:Fallback>
+  </mc:AlternateContent>
   <p:timing>
     <p:tnLst>
       <p:par>
@@ -2589,15 +2649,88 @@
           </a:prstGeom>
         </p:spPr>
       </p:pic>
+      <p:sp>
+        <p:nvSpPr>
+          <p:cNvPr id="3" name="Rounded Rectangle 2"/>
+          <p:cNvSpPr/>
+          <p:nvPr/>
+        </p:nvSpPr>
+        <p:spPr>
+          <a:xfrm>
+            <a:off x="710237" y="1394085"/>
+            <a:ext cx="6709894" cy="4036103"/>
+          </a:xfrm>
+          <a:prstGeom prst="roundRect">
+            <a:avLst/>
+          </a:prstGeom>
+          <a:solidFill>
+            <a:schemeClr val="bg1"/>
+          </a:solidFill>
+          <a:ln w="38100"/>
+        </p:spPr>
+        <p:style>
+          <a:lnRef idx="2">
+            <a:schemeClr val="accent2"/>
+          </a:lnRef>
+          <a:fillRef idx="1">
+            <a:schemeClr val="lt1"/>
+          </a:fillRef>
+          <a:effectRef idx="0">
+            <a:schemeClr val="accent2"/>
+          </a:effectRef>
+          <a:fontRef idx="minor">
+            <a:schemeClr val="dk1"/>
+          </a:fontRef>
+        </p:style>
+        <p:txBody>
+          <a:bodyPr rtlCol="0" anchor="ctr"/>
+          <a:lstStyle/>
+          <a:p>
+            <a:r>
+              <a:rPr lang="en-US" sz="2400" dirty="0" smtClean="0">
+                <a:solidFill>
+                  <a:schemeClr val="tx1"/>
+                </a:solidFill>
+              </a:rPr>
+              <a:t>But </a:t>
+            </a:r>
+            <a:r>
+              <a:rPr lang="en-US" sz="2400" dirty="0">
+                <a:solidFill>
+                  <a:schemeClr val="tx1"/>
+                </a:solidFill>
+              </a:rPr>
+              <a:t>there are some others that apply to aid workers too. When we talk about SEA, we are talking about a misconduct done by a any humanitarian worker.</a:t>
+            </a:r>
+          </a:p>
+          <a:p>
+            <a:r>
+              <a:rPr lang="en-US" sz="2400" dirty="0">
+                <a:solidFill>
+                  <a:schemeClr val="tx1"/>
+                </a:solidFill>
+              </a:rPr>
+              <a:t>So if you learn about a misconduct done by a colleague you still need to report to protect the victim and the organization</a:t>
+            </a:r>
+            <a:r>
+              <a:rPr lang="en-US" sz="2400" dirty="0" smtClean="0">
+                <a:solidFill>
+                  <a:schemeClr val="tx1"/>
+                </a:solidFill>
+              </a:rPr>
+              <a:t>.</a:t>
+            </a:r>
+            <a:endParaRPr lang="en-US" sz="2400" dirty="0">
+              <a:solidFill>
+                <a:schemeClr val="tx1"/>
+              </a:solidFill>
+            </a:endParaRPr>
+          </a:p>
+        </p:txBody>
+      </p:sp>
       <p:pic>
         <p:nvPicPr>
-          <p:cNvPr id="4" name="Picture 3">
-            <a:extLst>
-              <a:ext uri="{FF2B5EF4-FFF2-40B4-BE49-F238E27FC236}">
-                <a16:creationId xmlns:a16="http://schemas.microsoft.com/office/drawing/2014/main" id="{EFDAAC91-7072-92DE-8D20-A223CC05B78D}"/>
-              </a:ext>
-            </a:extLst>
-          </p:cNvPr>
+          <p:cNvPr id="5" name="Picture 4"/>
           <p:cNvPicPr>
             <a:picLocks noChangeAspect="1"/>
           </p:cNvPicPr>
@@ -2608,105 +2741,48 @@
           </p:nvPr>
         </p:nvPicPr>
         <p:blipFill>
-          <a:blip r:embed="rId6"/>
+          <a:blip r:embed="rId6">
+            <a:extLst>
+              <a:ext uri="{28A0092B-C50C-407E-A947-70E740481C1C}">
+                <a14:useLocalDpi xmlns:a14="http://schemas.microsoft.com/office/drawing/2010/main" val="0"/>
+              </a:ext>
+            </a:extLst>
+          </a:blip>
           <a:stretch>
             <a:fillRect/>
           </a:stretch>
         </p:blipFill>
         <p:spPr>
           <a:xfrm>
-            <a:off x="8328978" y="253277"/>
-            <a:ext cx="3607780" cy="12149843"/>
+            <a:off x="8960524" y="348836"/>
+            <a:ext cx="3231476" cy="9874456"/>
           </a:xfrm>
           <a:prstGeom prst="rect">
             <a:avLst/>
           </a:prstGeom>
         </p:spPr>
       </p:pic>
-      <p:sp>
-        <p:nvSpPr>
-          <p:cNvPr id="10" name="Rectangle: Rounded Corners 9">
-            <a:extLst>
-              <a:ext uri="{FF2B5EF4-FFF2-40B4-BE49-F238E27FC236}">
-                <a16:creationId xmlns:a16="http://schemas.microsoft.com/office/drawing/2014/main" id="{5D335765-A9E1-D06A-602C-53303AF812BF}"/>
-              </a:ext>
-            </a:extLst>
-          </p:cNvPr>
-          <p:cNvSpPr/>
-          <p:nvPr/>
-        </p:nvSpPr>
-        <p:spPr>
-          <a:xfrm>
-            <a:off x="411079" y="901397"/>
-            <a:ext cx="7768867" cy="5055205"/>
-          </a:xfrm>
-          <a:prstGeom prst="roundRect">
-            <a:avLst>
-              <a:gd name="adj" fmla="val 9503"/>
-            </a:avLst>
-          </a:prstGeom>
-          <a:solidFill>
-            <a:schemeClr val="bg1"/>
-          </a:solidFill>
-          <a:ln w="38100">
-            <a:solidFill>
-              <a:schemeClr val="accent2">
-                <a:lumMod val="60000"/>
-                <a:lumOff val="40000"/>
-              </a:schemeClr>
-            </a:solidFill>
-          </a:ln>
-        </p:spPr>
-        <p:style>
-          <a:lnRef idx="2">
-            <a:schemeClr val="accent1">
-              <a:shade val="15000"/>
-            </a:schemeClr>
-          </a:lnRef>
-          <a:fillRef idx="1">
-            <a:schemeClr val="accent1"/>
-          </a:fillRef>
-          <a:effectRef idx="0">
-            <a:schemeClr val="accent1"/>
-          </a:effectRef>
-          <a:fontRef idx="minor">
-            <a:schemeClr val="lt1"/>
-          </a:fontRef>
-        </p:style>
-        <p:txBody>
-          <a:bodyPr rtlCol="0" anchor="ctr"/>
-          <a:lstStyle/>
-          <a:p>
-            <a:pPr algn="ctr"/>
-            <a:r>
-              <a:rPr lang="en-US" sz="3200" dirty="0">
-                <a:solidFill>
-                  <a:schemeClr val="tx1"/>
-                </a:solidFill>
-              </a:rPr>
-              <a:t>Always refrain from talking to the perpetrator about it, this might increase the risks.</a:t>
-            </a:r>
-            <a:endParaRPr lang="en-US" sz="3200" dirty="0">
-              <a:solidFill>
-                <a:schemeClr val="tx1"/>
-              </a:solidFill>
-            </a:endParaRPr>
-          </a:p>
-        </p:txBody>
-      </p:sp>
     </p:spTree>
     <p:custDataLst>
       <p:tags r:id="rId1"/>
     </p:custDataLst>
     <p:extLst>
       <p:ext uri="{BB962C8B-B14F-4D97-AF65-F5344CB8AC3E}">
-        <p14:creationId xmlns:p14="http://schemas.microsoft.com/office/powerpoint/2010/main" val="696570706"/>
+        <p14:creationId xmlns:p14="http://schemas.microsoft.com/office/powerpoint/2010/main" val="3008932994"/>
       </p:ext>
     </p:extLst>
   </p:cSld>
   <p:clrMapOvr>
     <a:masterClrMapping/>
   </p:clrMapOvr>
+  <mc:AlternateContent xmlns:mc="http://schemas.openxmlformats.org/markup-compatibility/2006">
+    <mc:Choice xmlns:p14="http://schemas.microsoft.com/office/powerpoint/2010/main" Requires="p14">
+      <p:transition spd="slow" p14:dur="2000" advClick="0"/>
+    </mc:Choice>
+    <mc:Fallback>
+      <p:transition spd="slow" advClick="0"/>
+    </mc:Fallback>
+  </mc:AlternateContent>
   <p:timing>
     <p:tnLst>
       <p:par>
@@ -2756,6 +2832,187 @@
         </p:blipFill>
         <p:spPr>
           <a:xfrm>
+            <a:off x="139908" y="0"/>
+            <a:ext cx="12192000" cy="6858000"/>
+          </a:xfrm>
+          <a:prstGeom prst="rect">
+            <a:avLst/>
+          </a:prstGeom>
+        </p:spPr>
+      </p:pic>
+      <p:sp>
+        <p:nvSpPr>
+          <p:cNvPr id="3" name="Rounded Rectangle 2"/>
+          <p:cNvSpPr/>
+          <p:nvPr/>
+        </p:nvSpPr>
+        <p:spPr>
+          <a:xfrm>
+            <a:off x="605306" y="2308484"/>
+            <a:ext cx="6754865" cy="1729490"/>
+          </a:xfrm>
+          <a:prstGeom prst="roundRect">
+            <a:avLst/>
+          </a:prstGeom>
+          <a:solidFill>
+            <a:schemeClr val="bg1"/>
+          </a:solidFill>
+          <a:ln w="38100"/>
+        </p:spPr>
+        <p:style>
+          <a:lnRef idx="2">
+            <a:schemeClr val="accent2"/>
+          </a:lnRef>
+          <a:fillRef idx="1">
+            <a:schemeClr val="lt1"/>
+          </a:fillRef>
+          <a:effectRef idx="0">
+            <a:schemeClr val="accent2"/>
+          </a:effectRef>
+          <a:fontRef idx="minor">
+            <a:schemeClr val="dk1"/>
+          </a:fontRef>
+        </p:style>
+        <p:txBody>
+          <a:bodyPr rtlCol="0" anchor="ctr"/>
+          <a:lstStyle/>
+          <a:p>
+            <a:r>
+              <a:rPr lang="en-US" sz="2400" dirty="0" smtClean="0">
+                <a:solidFill>
+                  <a:schemeClr val="tx1"/>
+                </a:solidFill>
+              </a:rPr>
+              <a:t>Always refrain </a:t>
+            </a:r>
+            <a:r>
+              <a:rPr lang="en-US" sz="2400" dirty="0">
+                <a:solidFill>
+                  <a:schemeClr val="tx1"/>
+                </a:solidFill>
+              </a:rPr>
+              <a:t>from talking to the perpetrator about it, this might increase the risks</a:t>
+            </a:r>
+            <a:r>
+              <a:rPr lang="en-US" sz="2400" dirty="0" smtClean="0">
+                <a:solidFill>
+                  <a:schemeClr val="tx1"/>
+                </a:solidFill>
+              </a:rPr>
+              <a:t>.</a:t>
+            </a:r>
+            <a:endParaRPr lang="en-US" sz="2400" dirty="0">
+              <a:solidFill>
+                <a:schemeClr val="tx1"/>
+              </a:solidFill>
+            </a:endParaRPr>
+          </a:p>
+        </p:txBody>
+      </p:sp>
+      <p:pic>
+        <p:nvPicPr>
+          <p:cNvPr id="5" name="Picture 4"/>
+          <p:cNvPicPr>
+            <a:picLocks noChangeAspect="1"/>
+          </p:cNvPicPr>
+          <p:nvPr>
+            <p:custDataLst>
+              <p:tags r:id="rId2"/>
+            </p:custDataLst>
+          </p:nvPr>
+        </p:nvPicPr>
+        <p:blipFill>
+          <a:blip r:embed="rId6">
+            <a:extLst>
+              <a:ext uri="{28A0092B-C50C-407E-A947-70E740481C1C}">
+                <a14:useLocalDpi xmlns:a14="http://schemas.microsoft.com/office/drawing/2010/main" val="0"/>
+              </a:ext>
+            </a:extLst>
+          </a:blip>
+          <a:stretch>
+            <a:fillRect/>
+          </a:stretch>
+        </p:blipFill>
+        <p:spPr>
+          <a:xfrm>
+            <a:off x="8960524" y="348836"/>
+            <a:ext cx="3231476" cy="9874456"/>
+          </a:xfrm>
+          <a:prstGeom prst="rect">
+            <a:avLst/>
+          </a:prstGeom>
+        </p:spPr>
+      </p:pic>
+    </p:spTree>
+    <p:custDataLst>
+      <p:tags r:id="rId1"/>
+    </p:custDataLst>
+    <p:extLst>
+      <p:ext uri="{BB962C8B-B14F-4D97-AF65-F5344CB8AC3E}">
+        <p14:creationId xmlns:p14="http://schemas.microsoft.com/office/powerpoint/2010/main" val="500435986"/>
+      </p:ext>
+    </p:extLst>
+  </p:cSld>
+  <p:clrMapOvr>
+    <a:masterClrMapping/>
+  </p:clrMapOvr>
+  <mc:AlternateContent xmlns:mc="http://schemas.openxmlformats.org/markup-compatibility/2006">
+    <mc:Choice xmlns:p14="http://schemas.microsoft.com/office/powerpoint/2010/main" Requires="p14">
+      <p:transition spd="slow" p14:dur="2000" advClick="0"/>
+    </mc:Choice>
+    <mc:Fallback>
+      <p:transition spd="slow" advClick="0"/>
+    </mc:Fallback>
+  </mc:AlternateContent>
+  <p:timing>
+    <p:tnLst>
+      <p:par>
+        <p:cTn id="1" dur="indefinite" restart="never" nodeType="tmRoot"/>
+      </p:par>
+    </p:tnLst>
+  </p:timing>
+</p:sld>
+</file>
+
+<file path=ppt/slides/slide6.xml><?xml version="1.0" encoding="utf-8"?>
+<p:sld xmlns:a="http://schemas.openxmlformats.org/drawingml/2006/main" xmlns:r="http://schemas.openxmlformats.org/officeDocument/2006/relationships" xmlns:p="http://schemas.openxmlformats.org/presentationml/2006/main">
+  <p:cSld>
+    <p:spTree>
+      <p:nvGrpSpPr>
+        <p:cNvPr id="1" name=""/>
+        <p:cNvGrpSpPr/>
+        <p:nvPr/>
+      </p:nvGrpSpPr>
+      <p:grpSpPr>
+        <a:xfrm>
+          <a:off x="0" y="0"/>
+          <a:ext cx="0" cy="0"/>
+          <a:chOff x="0" y="0"/>
+          <a:chExt cx="0" cy="0"/>
+        </a:xfrm>
+      </p:grpSpPr>
+      <p:pic>
+        <p:nvPicPr>
+          <p:cNvPr id="2" name="Picture Background">
+            <a:extLst>
+              <a:ext uri="{FF2B5EF4-FFF2-40B4-BE49-F238E27FC236}">
+                <a16:creationId xmlns:a16="http://schemas.microsoft.com/office/drawing/2014/main" id="{F0AE7FE6-9C80-7DA4-C3D2-BE3B9D03D0C3}"/>
+              </a:ext>
+            </a:extLst>
+          </p:cNvPr>
+          <p:cNvPicPr>
+            <a:picLocks noChangeAspect="1"/>
+          </p:cNvPicPr>
+          <p:nvPr/>
+        </p:nvPicPr>
+        <p:blipFill>
+          <a:blip r:embed="rId5"/>
+          <a:stretch>
+            <a:fillRect/>
+          </a:stretch>
+        </p:blipFill>
+        <p:spPr>
+          <a:xfrm>
             <a:off x="1" y="0"/>
             <a:ext cx="12192000" cy="6858000"/>
           </a:xfrm>
@@ -2764,44 +3021,10 @@
           </a:prstGeom>
         </p:spPr>
       </p:pic>
-      <p:pic>
-        <p:nvPicPr>
-          <p:cNvPr id="4" name="Picture 3">
-            <a:extLst>
-              <a:ext uri="{FF2B5EF4-FFF2-40B4-BE49-F238E27FC236}">
-                <a16:creationId xmlns:a16="http://schemas.microsoft.com/office/drawing/2014/main" id="{EFDAAC91-7072-92DE-8D20-A223CC05B78D}"/>
-              </a:ext>
-            </a:extLst>
-          </p:cNvPr>
-          <p:cNvPicPr>
-            <a:picLocks noChangeAspect="1"/>
-          </p:cNvPicPr>
-          <p:nvPr>
-            <p:custDataLst>
-              <p:tags r:id="rId2"/>
-            </p:custDataLst>
-          </p:nvPr>
-        </p:nvPicPr>
-        <p:blipFill>
-          <a:blip r:embed="rId6"/>
-          <a:stretch>
-            <a:fillRect/>
-          </a:stretch>
-        </p:blipFill>
-        <p:spPr>
-          <a:xfrm>
-            <a:off x="8328978" y="253277"/>
-            <a:ext cx="3607780" cy="12149843"/>
-          </a:xfrm>
-          <a:prstGeom prst="rect">
-            <a:avLst/>
-          </a:prstGeom>
-        </p:spPr>
-      </p:pic>
       <p:sp>
         <p:nvSpPr>
           <p:cNvPr id="3" name="Arrow: Pentagon 2">
-            <a:hlinkClick r:id="rId7" action="ppaction://program"/>
+            <a:hlinkClick r:id="rId6" action="ppaction://program"/>
             <a:extLst>
               <a:ext uri="{FF2B5EF4-FFF2-40B4-BE49-F238E27FC236}">
                 <a16:creationId xmlns:a16="http://schemas.microsoft.com/office/drawing/2014/main" id="{3CBEA287-BC0E-5609-BCC3-6148615CA866}"/>
@@ -2881,6 +3104,40 @@
           </a:p>
         </p:txBody>
       </p:sp>
+      <p:pic>
+        <p:nvPicPr>
+          <p:cNvPr id="5" name="Picture 4"/>
+          <p:cNvPicPr>
+            <a:picLocks noChangeAspect="1"/>
+          </p:cNvPicPr>
+          <p:nvPr>
+            <p:custDataLst>
+              <p:tags r:id="rId2"/>
+            </p:custDataLst>
+          </p:nvPr>
+        </p:nvPicPr>
+        <p:blipFill>
+          <a:blip r:embed="rId7">
+            <a:extLst>
+              <a:ext uri="{28A0092B-C50C-407E-A947-70E740481C1C}">
+                <a14:useLocalDpi xmlns:a14="http://schemas.microsoft.com/office/drawing/2010/main" val="0"/>
+              </a:ext>
+            </a:extLst>
+          </a:blip>
+          <a:stretch>
+            <a:fillRect/>
+          </a:stretch>
+        </p:blipFill>
+        <p:spPr>
+          <a:xfrm>
+            <a:off x="8151056" y="729464"/>
+            <a:ext cx="3823134" cy="11682392"/>
+          </a:xfrm>
+          <a:prstGeom prst="rect">
+            <a:avLst/>
+          </a:prstGeom>
+        </p:spPr>
+      </p:pic>
     </p:spTree>
     <p:custDataLst>
       <p:tags r:id="rId1"/>
@@ -2894,6 +3151,14 @@
   <p:clrMapOvr>
     <a:masterClrMapping/>
   </p:clrMapOvr>
+  <mc:AlternateContent xmlns:mc="http://schemas.openxmlformats.org/markup-compatibility/2006">
+    <mc:Choice xmlns:p14="http://schemas.microsoft.com/office/powerpoint/2010/main" Requires="p14">
+      <p:transition spd="slow" p14:dur="2000" advClick="0"/>
+    </mc:Choice>
+    <mc:Fallback>
+      <p:transition spd="slow" advClick="0"/>
+    </mc:Fallback>
+  </mc:AlternateContent>
   <p:timing>
     <p:tnLst>
       <p:par>
@@ -2924,19 +3189,37 @@
   <p:tag name="ISPRING_PUBLISH_SETTINGS" val="{&quot;commonSettings&quot;:{&quot;webSettings&quot;:{&quot;useMobileViewer&quot;:&quot;T_FALSE&quot;},&quot;lmsSettings&quot;:{&quot;useMobileViewer&quot;:&quot;T_FALSE&quot;},&quot;cloudSettings&quot;:{&quot;useMobileViewer&quot;:&quot;T_FALSE&quot;},&quot;ispringLmsSettings&quot;:{&quot;useMobileViewer&quot;:&quot;T_FALSE&quot;},&quot;playerId&quot;:&quot;universal&quot;,&quot;studioSettings&quot;:{&quot;useMobileViewer&quot;:&quot;T_FALSE&quot;}},&quot;advancedSettings&quot;:{&quot;enableTextAllocation&quot;:&quot;T_TRUE&quot;,&quot;viewingFromLocalDrive&quot;:&quot;T_TRUE&quot;,&quot;contentScale&quot;:75,&quot;contentScaleMode&quot;:&quot;FIT_TO_WINDOW&quot;},&quot;accessibilitySettings&quot;:{&quot;enabled&quot;:&quot;T_FALSE&quot;,&quot;language&quot;:&quot;EN&quot;},&quot;compressionSettings&quot;:{&quot;imageSettings&quot;:{&quot;jpegQuality&quot;:100,&quot;optimizeImageForResolution&quot;:&quot;T_FALSE&quot;},&quot;audioQuality&quot;:70,&quot;videoQuality&quot;:68},&quot;protectionSettings&quot;:{&quot;watermarkEnabled&quot;:&quot;T_FALSE&quot;,&quot;watermarkPosition&quot;:&quot;MIDDLE_CENTER&quot;,&quot;openWatermarkUrl&quot;:&quot;T_FALSE&quot;,&quot;watermarkUrl&quot;:&quot;https://&quot;,&quot;openWatermarkWebPageInNewWindow&quot;:&quot;T_FALSE&quot;,&quot;displayAfterEnabled&quot;:&quot;T_FALSE&quot;,&quot;displayUntilEnabled&quot;:&quot;T_FALSE&quot;,&quot;domainRestrictionEnabled&quot;:&quot;T_FALSE&quot;,&quot;enablePassword&quot;:&quot;T_FALSE&quot;},&quot;videoSettings&quot;:{&quot;videoCompressionSettings&quot;:{&quot;audioQuality&quot;:70,&quot;videoQuality&quot;:75},&quot;secondsOnEachSlide&quot;:5,&quot;hostingSettings&quot;:{}},&quot;ispringOnlineSettings&quot;:{&quot;onlineDestinationFolderId&quot;:&quot;1&quot;},&quot;cloudSettings&quot;:{&quot;onlineDestinationFolderId&quot;:&quot;1&quot;},&quot;wordSettings&quot;:{&quot;printCopies&quot;:1},&quot;studioSettings&quot;:{&quot;onlineDestinationFolderId&quot;:&quot;0&quot;}}"/>
   <p:tag name="ISPRING_WEBLINKS_TARGET" val="_self"/>
   <p:tag name="ISPRING_WEBLINKS_TARGETMJT" val="_self"/>
-  <p:tag name="ISPRING_SCREEN_RECS_UPDATED" val="C:\Users\pc\Desktop\Nabad\safeguarding\en\lessons\barriers_reporting\"/>
-  <p:tag name="ISPRING_RESOURCE_FOLDER" val="C:\Users\pc\Desktop\Nabad\safeguarding\en\lessons\barriers_reporting\"/>
-  <p:tag name="ISPRING_PRESENTATION_PATH" val="C:\Users\pc\Desktop\Nabad\safeguarding\en\lessons\barriers_reporting.pptx"/>
   <p:tag name="ISPRING_ULTRA_SCORM_COURCE_TITLE" val="barriers_reporting"/>
   <p:tag name="ISPRING_PRESENTATION_TITLE" val="barriers_reporting"/>
   <p:tag name="ISPRING-SUITE_ISPRING_PLAYERS_CUSTOMIZATION_2" val="{&quot;universal&quot;:{&quot;skinSettings&quot;:{&quot;borderRadius&quot;:10,&quot;colors&quot;:{&quot;asideBackground&quot;:{&quot;color&quot;:&quot;#EA7540&quot;,&quot;opacity&quot;:1,&quot;type&quot;:&quot;SOLID&quot;},&quot;asideElementBackgroundActive&quot;:{&quot;color&quot;:&quot;#414141&quot;,&quot;opacity&quot;:1,&quot;type&quot;:&quot;SOLID&quot;},&quot;asideElementBackgroundHover&quot;:{&quot;color&quot;:&quot;#FDAA84&quot;,&quot;opacity&quot;:1,&quot;type&quot;:&quot;SOLID&quot;},&quot;asideElementText&quot;:{&quot;color&quot;:&quot;#261813&quot;,&quot;opacity&quot;:1,&quot;type&quot;:&quot;SOLID&quot;},&quot;asideElementTextActive&quot;:{&quot;color&quot;:&quot;#FFFFFF&quot;,&quot;opacity&quot;:1,&quot;type&quot;:&quot;SOLID&quot;},&quot;asideElementTextHover&quot;:{&quot;color&quot;:&quot;#261813&quot;,&quot;opacity&quot;:1,&quot;type&quot;:&quot;SOLID&quot;},&quot;asideLogoBackground&quot;:{&quot;color&quot;:&quot;#EFF1F2&quot;,&quot;opacity&quot;:1,&quot;type&quot;:&quot;SOLID&quot;},&quot;pageBackground&quot;:{&quot;color&quot;:&quot;#F4E9E5&quot;,&quot;opacity&quot;:1,&quot;type&quot;:&quot;SOLID&quot;},&quot;playerBackground&quot;:{&quot;color&quot;:&quot;#FFFFFF&quot;,&quot;opacity&quot;:1,&quot;type&quot;:&quot;SOLID&quot;},&quot;playerText&quot;:{&quot;color&quot;:&quot;#616870&quot;,&quot;opacity&quot;:1,&quot;type&quot;:&quot;SOLID&quot;},&quot;primaryButtonBackground&quot;:{&quot;color&quot;:&quot;#374B5B&quot;,&quot;opacity&quot;:1,&quot;type&quot;:&quot;SOLID&quot;},&quot;primaryButtonBackgroundHover&quot;:{&quot;color&quot;:&quot;#EA7540&quot;,&quot;opacity&quot;:1,&quot;type&quot;:&quot;SOLID&quot;},&quot;primaryButtonBorder&quot;:{&quot;color&quot;:&quot;#374B5B&quot;,&quot;opacity&quot;:1,&quot;type&quot;:&quot;SOLID&quot;},&quot;primaryButtonBorderHover&quot;:{&quot;color&quot;:&quot;#EA7540&quot;,&quot;opacity&quot;:1,&quot;type&quot;:&quot;SOLID&quot;},&quot;primaryButtonText&quot;:{&quot;color&quot;:&quot;#FFFFFF&quot;,&quot;opacity&quot;:1,&quot;type&quot;:&quot;SOLID&quot;},&quot;primaryButtonTextHover&quot;:{&quot;color&quot;:&quot;#FFFFFF&quot;,&quot;opacity&quot;:1,&quot;type&quot;:&quot;SOLID&quot;},&quot;secondaryButtonBackground&quot;:{&quot;color&quot;:&quot;#F1F2F4&quot;,&quot;opacity&quot;:1,&quot;type&quot;:&quot;SOLID&quot;},&quot;secondaryButtonBackgroundHover&quot;:{&quot;color&quot;:&quot;#E5E5E5&quot;,&quot;opacity&quot;:1,&quot;type&quot;:&quot;SOLID&quot;},&quot;secondaryButtonBorder&quot;:{&quot;color&quot;:&quot;#F1F2F4&quot;,&quot;opacity&quot;:1,&quot;type&quot;:&quot;SOLID&quot;},&quot;secondaryButtonBorderHover&quot;:{&quot;color&quot;:&quot;#E5E5E5&quot;,&quot;opacity&quot;:1,&quot;type&quot;:&quot;SOLID&quot;},&quot;secondaryButtonText&quot;:{&quot;color&quot;:&quot;#616870&quot;,&quot;opacity&quot;:1,&quot;type&quot;:&quot;SOLID&quot;},&quot;secondaryButtonTextHover&quot;:{&quot;color&quot;:&quot;#616870&quot;,&quot;opacity&quot;:1,&quot;type&quot;:&quot;SOLID&quot;}},&quot;controlPanel&quot;:{&quot;navigationMode&quot;:&quot;bySlides&quot;,&quot;progressBar&quot;:{&quot;enabled&quot;:true,&quot;mode&quot;:&quot;presentationTimeline&quot;,&quot;showLabels&quot;:true,&quot;visible&quot;:false},&quot;showCCButton&quot;:false,&quot;showNextButton&quot;:true,&quot;showOutline&quot;:false,&quot;showPlayPause&quot;:false,&quot;showPlaybackRateButton&quot;:false,&quot;showPrevButton&quot;:true,&quot;showRewind&quot;:false,&quot;showSlideNumbers&quot;:true,&quot;showSlideOnlyButton&quot;:true,&quot;showTimer&quot;:true,&quot;showVolumeControl&quot;:false,&quot;visible&quot;:true},&quot;fontFamily&quot;:&quot;Arial&quot;,&quot;miniskinCustomizationEnabled&quot;:false,&quot;outlinePanel&quot;:{&quot;highlightViewedEntries&quot;:false,&quot;multilevel&quot;:true,&quot;numberEntries&quot;:true,&quot;search&quot;:true,&quot;thumbnails&quot;:true},&quot;sidePanel&quot;:{&quot;showAtLeft&quot;:false,&quot;showLogo&quot;:false,&quot;showNotes&quot;:false,&quot;showOutline&quot;:false,&quot;showPresenterInfo&quot;:false,&quot;showPresenterVideo&quot;:false,&quot;visible&quot;:false},&quot;titlePanel&quot;:{&quot;buttons&quot;:[&quot;attachments&quot;,&quot;markerTools&quot;,&quot;presenterInfo&quot;],&quot;buttonsAtLeft&quot;:true,&quot;courseTitleVisible&quot;:true,&quot;showLogo&quot;:false,&quot;visible&quot;:false},&quot;version&quot;:&quot;1.1&quot;},&quot;skinMessages&quot;:{&quot;PB_ACCESSIBLE_ARIA_LABEL_BACK_TO_BEGIN&quot;:&quot;Go to the beginning of the slide&quot;,&quot;PB_ACCESSIBLE_ARIA_LABEL_BOTTOM_PANEL&quot;:&quot;Bottom Bar&quot;,&quot;PB_ACCESSIBLE_ARIA_LABEL_NAVIGATION_BUTTONS&quot;:&quot;Navigation buttons&quot;,&quot;PB_ACCESSIBLE_ARIA_LABEL_SETTINGS&quot;:&quot;Accessibility Settings&quot;,&quot;PB_ACCESSIBLE_ARIA_LABEL_SLIDE&quot;:&quot;Slide&quot;,&quot;PB_ACCESSIBLE_ARIA_LABEL_TOP_PANEL&quot;:&quot;Top Bar&quot;,&quot;PB_ACCESSIBLE_AUDIO_NARRATION_LABEL&quot;:&quot;Audio narration&quot;,&quot;PB_ACCESSIBLE_NAVIGATION_NEXT_BUTTON&quot;:&quot;Next&quot;,&quot;PB_ACCESSIBLE_NAVIGATION_PREV_BUTTON&quot;:&quot;Previous&quot;,&quot;PB_ACCESSIBLE_SKIN_ENABLE_ACCESSIBILITY_MODE&quot;:&quot;Turn on accessibility mode&quot;,&quot;PB_ACCESSIBLE_SKIN_ENABLE_NORMAL_MODE&quot;:&quot;Turn off accessibility mode&quot;,&quot;PB_ACCESSIBLE_SKIN_PRESENTER_PHOTO&quot;:&quot;Presenter photo&quot;,&quot;PB_ACCESSIBLE_SLIDE_N_OF_COUNT&quot;:&quot;Slide %SLIDE_NUMBER% of %TOTAL_SLIDES%&quot;,&quot;PB_ACCESSIBLE_VIDEO_NARRATION_LABEL&quot;:&quot;Video narration&quot;,&quot;PB_ACCESSIBLE_WATERMARK_SKIN_CREATED_WITH&quot;:&quot;Created with iSpring evaluation version&quot;,&quot;PB_ATTACHMENT_DOCUMENT_SUBTITLE&quot;:&quot;Document&quot;,&quot;PB_ATTACHMENT_FILE_SUBTITLE&quot;:&quot;File&quot;,&quot;PB_ATTACHMENT_IMAGE_SUBTITLE&quot;:&quot;Picture&quot;,&quot;PB_ATTACHMENT_LINK_SUBTITLE&quot;:&quot;Link&quot;,&quot;PB_ATTACHMENT_VIDEO_SUBTITLE&quot;:&quot;Video&quot;,&quot;PB_BACK_TO_APP_BUTTON_LABEL&quot;:&quot;Go back&quot;,&quot;PB_CC_MENU_OFF&quot;:&quot;Off&quot;,&quot;PB_CC_MENU_ON&quot;:&quot;On&quot;,&quot;PB_CC_MENU_TITLE&quot;:&quot;Notes&quot;,&quot;PB_CONTROL_PANEL_CLOSED_CAPTIONS&quot;:&quot;Notes&quot;,&quot;PB_CONTROL_PANEL_EXIT_FULL_SCREEN&quot;:&quot;Exit full screen&quot;,&quot;PB_CONTROL_PANEL_FULL_SCREEN&quot;:&quot;Full screen&quot;,&quot;PB_CONTROL_PANEL_NEXT&quot;:&quot;Next&quot;,&quot;PB_CONTROL_PANEL_OUTLINE&quot;:&quot;Outline&quot;,&quot;PB_CONTROL_PANEL_PREV&quot;:&quot;&quot;,&quot;PB_CONTROL_PANEL_REPLAY&quot;:&quot;Replay&quot;,&quot;PB_CONTROL_PANEL_SLIDE_COUNTER&quot;:&quot;%SLIDE_NUMBER% of %TOTAL_SLIDES%&quot;,&quot;PB_CONTROL_PANEL_VOLUME_CONTROL&quot;:&quot;Volume&quot;,&quot;PB_CURRENT_SLIDE_IS_NOT_COMPLETED&quot;:&quot;Complete the slide to go to the next one.&quot;,&quot;PB_DOMAIN_RESTRICTION&quot;:&quot;Sorry, the content author has prohibited sharing the presentation on this domain.&quot;,&quot;PB_DRAWING_TOOLS_END_DRAWING&quot;:&quot;Finish drawing&quot;,&quot;PB_DRAWING_TOOLS_ERASER&quot;:&quot;Eraser&quot;,&quot;PB_DRAWING_TOOLS_ERASE_ALL&quot;:&quot;Erase all&quot;,&quot;PB_DRAWING_TOOLS_HIGHLIGHTER&quot;:&quot;Highlighter&quot;,&quot;PB_DRAWING_TOOLS_PEN&quot;:&quot;Pen&quot;,&quot;PB_ENTER_PASSWORD&quot;:&quot;Enter the password to view this presentation.&quot;,&quot;PB_INCORRECT_PASSWORD&quot;:&quot;Incorrect password.&quot;,&quot;PB_INTERACTION_SLIDE_WINDOW_TEXT&quot;:&quot;To advance to the next slide, complete this interaction.&quot;,&quot;PB_MESSAGE_BOX_NO&quot;:&quot;No&quot;,&quot;PB_MESSAGE_BOX_OK&quot;:&quot;OK&quot;,&quot;PB_MESSAGE_BOX_YES&quot;:&quot;Yes&quot;,&quot;PB_NAVIGATION_IS_RESTRICTED&quot;:&quot;You can only view slides in order.&quot;,&quot;PB_NAVIGATION_IS_SEQUENTIAL&quot;:&quot;You can only view slides in order.&quot;,&quot;PB_PLAYBACK_RATE_MENU_CAPTION&quot;:&quot;Speed&quot;,&quot;PB_PRECEDING_QUIZ_FAILED_WINDOW_TEXT&quot;:&quot;You haven't passed the quiz on slide %SLIDE_INDEX% and can't advance to the next slide.&quot;,&quot;PB_PRECEDING_QUIZ_NOT_COMPLETED_WINDOW_TEXT&quot;:&quot;To advance to this slide, complete the quiz on slide %SLIDE_INDEX%.&quot;,&quot;PB_PRECEDING_QUIZ_NOT_PASSED_WINDOW_TEXT&quot;:&quot;To advance to this slide, you need to pass the quiz on slide %SLIDE_INDEX%.&quot;,&quot;PB_PRECEDING_SCENARIO_FAILED_WINDOW_TEXT&quot;:&quot;You haven't passed the role-play on slide %SLIDE_INDEX% and can't advance to the next slide.&quot;,&quot;PB_PRECEDING_SCENARIO_NOT_COMPLETED_WINDOW_TEXT&quot;:&quot;To advance to this slide, complete the role-play on slide %SLIDE_INDEX%.&quot;,&quot;PB_PRECEDING_SCENARIO_NOT_PASSED_WINDOW_TEXT&quot;:&quot;To advance to this slide, you need to pass the role-play on slide %SLIDE_INDEX%.&quot;,&quot;PB_PRESENTER_COLLAPSE_BIO&quot;:&quot;Show less&quot;,&quot;PB_PRESENTER_EMAIL&quot;:&quot;Email&quot;,&quot;PB_PRESENTER_EXPAND_BIO&quot;:&quot;Show more&quot;,&quot;PB_PRESENTER_NO_INFO&quot;:&quot;No presenter info.&quot;,&quot;PB_PRESENTER_WEBSITE&quot;:&quot;Website&quot;,&quot;PB_QUIZ_SLIDE_WINDOW_TEXT&quot;:&quot;To advance to the next slide, complete this quiz.&quot;,&quot;PB_RATE_MENU_CAPTION&quot;:&quot;Speed&quot;,&quot;PB_RATE_MENU_DEFAULT_RATE&quot;:&quot;Normal&quot;,&quot;PB_RESUME_PRESENTATION_WINDOW_TEXT&quot;:&quot;Do you want to resume where you left off?&quot;,&quot;PB_SCENARIO_SLIDE_WINDOW_TEXT&quot;:&quot;To advance to the next slide, complete this role-play.&quot;,&quot;PB_SEARCH_CANCEL&quot;:&quot;Cancel&quot;,&quot;PB_SEARCH_NO_RESULTS_LABEL&quot;:&quot;No matches found.&quot;,&quot;PB_SEARCH_PANEL_DEFAULT_TEXT&quot;:&quot;Search…&quot;,&quot;PB_SEARCH_RESULTS_LABEL&quot;:&quot;Search results&quot;,&quot;PB_SEARCH_RESULT_IN_NOTES&quot;:&quot;in notes&quot;,&quot;PB_SEARCH_RESULT_IN_TEXT_LABEL&quot;:&quot;in slide&quot;,&quot;PB_SUBTITLES_MENU_CAPTION&quot;:&quot;Subtitles&quot;,&quot;PB_SUBTITLES_OFF&quot;:&quot;Off&quot;,&quot;PB_TAB_NOTES_LABEL&quot;:&quot;Notes&quot;,&quot;PB_TAB_OUTLINE_LABEL&quot;:&quot;Slides&quot;,&quot;PB_TIME_RESTRICTION&quot;:&quot;Sorry, the content author has prohibited viewing the presentation at this time.&quot;,&quot;PB_TITLE_PANEL_ATTACHMENTS&quot;:&quot;Resources&quot;,&quot;PB_TITLE_PANEL_MARKER_TOOLS&quot;:&quot;Drawing&quot;,&quot;PB_TITLE_PANEL_NOTES&quot;:&quot;Notes&quot;,&quot;PB_TITLE_PANEL_OUTLINE&quot;:&quot;Outline&quot;,&quot;PB_TITLE_PANEL_PRESENTER_INFO&quot;:&quot;Presenter Info&quot;,&quot;PB_TREE_CONTROL_LOADING&quot;:&quot;Loading…&quot;,&quot;PB_VIDEO_WINDOW_NO_VIDEO_LABEL&quot;:&quot;No video&quot;},&quot;playbackAndNavigationSettings&quot;:{&quot;autoStart&quot;:true,&quot;saveAnimationStates&quot;:true,&quot;loopPresentation&quot;:false,&quot;autoPlayAnimations&quot;:false,&quot;autoPlayAnimationsTime&quot;:1,&quot;navigationType&quot;:&quot;LIMITED&quot;,&quot;resumeMode&quot;:&quot;PROMPT&quot;,&quot;enableKeyboardNavigation&quot;:true},&quot;keyboardSettings&quot;:&quot;&quot;,&quot;skinVersion&quot;:3,&quot;skinCompatibleVersion&quot;:0,&quot;publishSettings&quot;:{&quot;backgroundColor&quot;:&quot;#F4E9E5&quot;,&quot;playerDimensions&quot;:{&quot;height&quot;:92,&quot;width&quot;:16},&quot;playerModule&quot;:&quot;UniversalHtml&quot;,&quot;presentationContent&quot;:{&quot;metadata&quot;:{&quot;references&quot;:false,&quot;texts&quot;:[&quot;DT_HYPERLINK_TOOLTIP&quot;]},&quot;resources&quot;:{&quot;attachments&quot;:false,&quot;fonts&quot;:[{&quot;charsets&quot;:{&quot;dynamicFormatted&quot;:[&quot;DCT_INTERACTIVITY_TEXT&quot;,&quot;DCT_INTERACTIVITY_SEMIBOLD_TEXT&quot;],&quot;dynamicPlain&quot;:[&quot;DCT_HYPERLINK_TOOLTIP&quot;],&quot;static&quot;:[&quot;Next&quot;,&quot;Full screen&quot;,&quot;Exit full screen&quot;,&quot;%SLIDE_NUMBER% of %TOTAL_SLIDES%&quot;,&quot;Yes&quot;,&quot;No&quot;,&quot;OK&quot;,&quot;Do you want to resume where you left off?&quot;,&quot;Complete the slide to go to the next one.&quot;,&quot;You can only view slides in order.&quot;,&quot;To advance to the next slide, complete this quiz.&quot;,&quot;To advance to this slide, you need to pass the quiz on slide %SLIDE_INDEX%.&quot;,&quot;To advance to this slide, complete the quiz on slide %SLIDE_INDEX%.&quot;,&quot;You haven't passed the quiz on slide %SLIDE_INDEX% and can't advance to the next slide.&quot;,&quot;To advance to the next slide, complete this interaction.&quot;,&quot;To advance to the next slide, complete this role-play.&quot;,&quot;To advance to this slide, you need to pass the role-play on slide %SLIDE_INDEX%.&quot;,&quot;To advance to this slide, complete the role-play on slide %SLIDE_INDEX%.&quot;,&quot;You haven't passed the role-play on slide %SLIDE_INDEX% and can't advance to the next slide.&quot;,&quot;Enter the password to view this presentation.&quot;,&quot;Incorrect password.&quot;,&quot;Sorry, the content author has prohibited sharing the presentation on this domain.&quot;,&quot;Sorry, the content author has prohibited viewing the presentation at this time.&quot;,&quot;Go back&quot;]},&quot;embedName&quot;:&quot;PFn&quot;,&quot;fontFamily&quot;:&quot;Arial&quot;,&quot;isBold&quot;:false,&quot;isItalic&quot;:false,&quot;isSemibold&quot;:false,&quot;substituteFontFamily&quot;:&quot;Arial&quot;},{&quot;charsets&quot;:{&quot;dynamicFormatted&quot;:[&quot;DCT_INTERACTIVITY_TEXT&quot;,&quot;DCT_INTERACTIVITY_SEMIBOLD_TEXT&quot;],&quot;dynamicPlain&quot;:[&quot;DCT_HYPERLINK_TOOLTIP&quot;],&quot;static&quot;:[&quot;Next&quot;,&quot;Full screen&quot;,&quot;Exit full screen&quot;,&quot;%SLIDE_NUMBER% of %TOTAL_SLIDES%&quot;,&quot;Yes&quot;,&quot;No&quot;,&quot;OK&quot;,&quot;Do you want to resume where you left off?&quot;,&quot;Complete the slide to go to the next one.&quot;,&quot;You can only view slides in order.&quot;,&quot;To advance to the next slide, complete this quiz.&quot;,&quot;To advance to this slide, you need to pass the quiz on slide %SLIDE_INDEX%.&quot;,&quot;To advance to this slide, complete the quiz on slide %SLIDE_INDEX%.&quot;,&quot;You haven't passed the quiz on slide %SLIDE_INDEX% and can't advance to the next slide.&quot;,&quot;To advance to the next slide, complete this interaction.&quot;,&quot;To advance to the next slide, complete this role-play.&quot;,&quot;To advance to this slide, you need to pass the role-play on slide %SLIDE_INDEX%.&quot;,&quot;To advance to this slide, complete the role-play on slide %SLIDE_INDEX%.&quot;,&quot;You haven't passed the role-play on slide %SLIDE_INDEX% and can't advance to the next slide.&quot;,&quot;Enter the password to view this presentation.&quot;,&quot;Incorrect password.&quot;,&quot;Sorry, the content author has prohibited sharing the presentation on this domain.&quot;,&quot;Sorry, the content author has prohibited viewing the presentation at this time.&quot;,&quot;Go back&quot;]},&quot;embedName&quot;:&quot;PFnb&quot;,&quot;fontFamily&quot;:&quot;Arial&quot;,&quot;isBold&quot;:true,&quot;isItalic&quot;:false,&quot;isSemibold&quot;:false,&quot;substituteFontFamily&quot;:&quot;Arial&quot;},{&quot;charsets&quot;:{&quot;dynamicFormatted&quot;:[&quot;DCT_INTERACTIVITY_TEXT&quot;,&quot;DCT_INTERACTIVITY_SEMIBOLD_TEXT&quot;],&quot;dynamicPlain&quot;:[&quot;DCT_HYPERLINK_TOOLTIP&quot;],&quot;static&quot;:[&quot;Next&quot;,&quot;Full screen&quot;,&quot;Exit full screen&quot;,&quot;%SLIDE_NUMBER% of %TOTAL_SLIDES%&quot;,&quot;Yes&quot;,&quot;No&quot;,&quot;OK&quot;,&quot;Do you want to resume where you left off?&quot;,&quot;Complete the slide to go to the next one.&quot;,&quot;You can only view slides in order.&quot;,&quot;To advance to the next slide, complete this quiz.&quot;,&quot;To advance to this slide, you need to pass the quiz on slide %SLIDE_INDEX%.&quot;,&quot;To advance to this slide, complete the quiz on slide %SLIDE_INDEX%.&quot;,&quot;You haven't passed the quiz on slide %SLIDE_INDEX% and can't advance to the next slide.&quot;,&quot;To advance to the next slide, complete this interaction.&quot;,&quot;To advance to the next slide, complete this role-play.&quot;,&quot;To advance to this slide, you need to pass the role-play on slide %SLIDE_INDEX%.&quot;,&quot;To advance to this slide, complete the role-play on slide %SLIDE_INDEX%.&quot;,&quot;You haven't passed the role-play on slide %SLIDE_INDEX% and can't advance to the next slide.&quot;,&quot;Enter the password to view this presentation.&quot;,&quot;Incorrect password.&quot;,&quot;Sorry, the content author has prohibited sharing the presentation on this domain.&quot;,&quot;Sorry, the content author has prohibited viewing the presentation at this time.&quot;,&quot;Go back&quot;]},&quot;embedName&quot;:&quot;PFni&quot;,&quot;fontFamily&quot;:&quot;Arial&quot;,&quot;isBold&quot;:false,&quot;isItalic&quot;:true,&quot;isSemibold&quot;:false,&quot;substituteFontFamily&quot;:&quot;Arial&quot;},{&quot;charsets&quot;:{&quot;dynamicFormatted&quot;:[&quot;DCT_INTERACTIVITY_TEXT&quot;,&quot;DCT_INTERACTIVITY_SEMIBOLD_TEXT&quot;],&quot;dynamicPlain&quot;:[&quot;DCT_HYPERLINK_TOOLTIP&quot;],&quot;static&quot;:[&quot;Next&quot;,&quot;Full screen&quot;,&quot;Exit full screen&quot;,&quot;%SLIDE_NUMBER% of %TOTAL_SLIDES%&quot;,&quot;Yes&quot;,&quot;No&quot;,&quot;OK&quot;,&quot;Do you want to resume where you left off?&quot;,&quot;Complete the slide to go to the next one.&quot;,&quot;You can only view slides in order.&quot;,&quot;To advance to the next slide, complete this quiz.&quot;,&quot;To advance to this slide, you need to pass the quiz on slide %SLIDE_INDEX%.&quot;,&quot;To advance to this slide, complete the quiz on slide %SLIDE_INDEX%.&quot;,&quot;You haven't passed the quiz on slide %SLIDE_INDEX% and can't advance to the next slide.&quot;,&quot;To advance to the next slide, complete this interaction.&quot;,&quot;To advance to the next slide, complete this role-play.&quot;,&quot;To advance to this slide, you need to pass the role-play on slide %SLIDE_INDEX%.&quot;,&quot;To advance to this slide, complete the role-play on slide %SLIDE_INDEX%.&quot;,&quot;You haven't passed the role-play on slide %SLIDE_INDEX% and can't advance to the next slide.&quot;,&quot;Enter the password to view this presentation.&quot;,&quot;Incorrect password.&quot;,&quot;Sorry, the content author has prohibited sharing the presentation on this domain.&quot;,&quot;Sorry, the content author has prohibited viewing the presentation at this time.&quot;,&quot;Go back&quot;]},&quot;embedName&quot;:&quot;PFnbi&quot;,&quot;fontFamily&quot;:&quot;Arial&quot;,&quot;isBold&quot;:true,&quot;isItalic&quot;:true,&quot;isSemibold&quot;:false,&quot;substituteFontFamily&quot;:&quot;Arial&quot;},{&quot;charsets&quot;:{&quot;dynamicFormatted&quot;:[&quot;DCT_INTERACTIVITY_TEXT&quot;,&quot;DCT_INTERACTIVITY_SEMIBOLD_TEXT&quot;],&quot;dynamicPlain&quot;:[&quot;DCT_HYPERLINK_TOOLTIP&quot;],&quot;static&quot;:[&quot;Next&quot;,&quot;Full screen&quot;,&quot;Exit full screen&quot;,&quot;%SLIDE_NUMBER% of %TOTAL_SLIDES%&quot;,&quot;Yes&quot;,&quot;No&quot;,&quot;OK&quot;,&quot;Do you want to resume where you left off?&quot;,&quot;Complete the slide to go to the next one.&quot;,&quot;You can only view slides in order.&quot;,&quot;To advance to the next slide, complete this quiz.&quot;,&quot;To advance to this slide, you need to pass the quiz on slide %SLIDE_INDEX%.&quot;,&quot;To advance to this slide, complete the quiz on slide %SLIDE_INDEX%.&quot;,&quot;You haven't passed the quiz on slide %SLIDE_INDEX% and can't advance to the next slide.&quot;,&quot;To advance to the next slide, complete this interaction.&quot;,&quot;To advance to the next slide, complete this role-play.&quot;,&quot;To advance to this slide, you need to pass the role-play on slide %SLIDE_INDEX%.&quot;,&quot;To advance to this slide, complete the role-play on slide %SLIDE_INDEX%.&quot;,&quot;You haven't passed the role-play on slide %SLIDE_INDEX% and can't advance to the next slide.&quot;,&quot;Enter the password to view this presentation.&quot;,&quot;Incorrect password.&quot;,&quot;Sorry, the content author has prohibited sharing the presentation on this domain.&quot;,&quot;Sorry, the content author has prohibited viewing the presentation at this time.&quot;,&quot;Go back&quot;]},&quot;embedName&quot;:&quot;PFnsb&quot;,&quot;fontFamily&quot;:&quot;Arial&quot;,&quot;isBold&quot;:false,&quot;isItalic&quot;:false,&quot;isSemibold&quot;:true,&quot;substituteFontFamily&quot;:&quot;Arial&quot;},{&quot;charsets&quot;:{&quot;dynamicFormatted&quot;:[&quot;DCT_INTERACTIVITY_TEXT&quot;,&quot;DCT_INTERACTIVITY_SEMIBOLD_TEXT&quot;],&quot;dynamicPlain&quot;:[&quot;DCT_HYPERLINK_TOOLTIP&quot;],&quot;static&quot;:[&quot;Next&quot;,&quot;Full screen&quot;,&quot;Exit full screen&quot;,&quot;%SLIDE_NUMBER% of %TOTAL_SLIDES%&quot;,&quot;Yes&quot;,&quot;No&quot;,&quot;OK&quot;,&quot;Do you want to resume where you left off?&quot;,&quot;Complete the slide to go to the next one.&quot;,&quot;You can only view slides in order.&quot;,&quot;To advance to the next slide, complete this quiz.&quot;,&quot;To advance to this slide, you need to pass the quiz on slide %SLIDE_INDEX%.&quot;,&quot;To advance to this slide, complete the quiz on slide %SLIDE_INDEX%.&quot;,&quot;You haven't passed the quiz on slide %SLIDE_INDEX% and can't advance to the next slide.&quot;,&quot;To advance to the next slide, complete this interaction.&quot;,&quot;To advance to the next slide, complete this role-play.&quot;,&quot;To advance to this slide, you need to pass the role-play on slide %SLIDE_INDEX%.&quot;,&quot;To advance to this slide, complete the role-play on slide %SLIDE_INDEX%.&quot;,&quot;You haven't passed the role-play on slide %SLIDE_INDEX% and can't advance to the next slide.&quot;,&quot;Enter the password to view this presentation.&quot;,&quot;Incorrect password.&quot;,&quot;Sorry, the content author has prohibited sharing the presentation on this domain.&quot;,&quot;Sorry, the content author has prohibited viewing the presentation at this time.&quot;,&quot;Go back&quot;]},&quot;embedName&quot;:&quot;PFnsbi&quot;,&quot;fontFamily&quot;:&quot;Arial&quot;,&quot;isBold&quot;:false,&quot;isItalic&quot;:true,&quot;isSemibold&quot;:true,&quot;substituteFontFamily&quot;:&quot;Arial&quot;}],&quot;interactivity&quot;:{&quot;fullSupport&quot;:true}}}},&quot;ceipData&quot;:{&quot;enableMiniSkinCustomization&quot;:false,&quot;playerLayout&quot;:&quot;custom&quot;,&quot;playerLayoutFooter&quot;:&quot;fullscreen,timer,slideNumber,goToPrev,goToNext&quot;,&quot;playerLayoutHeader&quot;:&quot;&quot;,&quot;playerLayoutHeaderButtonsPosition&quot;:&quot;&quot;,&quot;playerLayoutOutline&quot;:&quot;&quot;,&quot;playerLayoutProgress&quot;:&quot;&quot;,&quot;playerLayoutProgressMode&quot;:&quot;&quot;,&quot;playerLayoutSidebar&quot;:&quot;&quot;,&quot;playerLayoutSidebarPosition&quot;:&quot;&quot;,&quot;playerMessages&quot;:&quot;builtin.en&quot;,&quot;playerNavigationAutoStart&quot;:true,&quot;playerNavigationEnableKeyboardNavigation&quot;:true,&quot;playerNavigationMode&quot;:&quot;bySlides&quot;,&quot;playerNavigationOnRestart&quot;:&quot;prompt&quot;,&quot;playerNavigationSaveAnimationStates&quot;:true,&quot;playerNavigationType&quot;:&quot;restricted&quot;,&quot;playerTheme&quot;:&quot;custom&quot;,&quot;playerThemeBorderRadius&quot;:10,&quot;playerThemeColorScheme&quot;:&quot;builtin.lightOrange&quot;,&quot;playerThemeFont&quot;:&quot;Arial&quot;}},&quot;none&quot;:{&quot;skinSettings&quot;:{&quot;borderRadius&quot;:10,&quot;colors&quot;:{&quot;asideBackground&quot;:{&quot;color&quot;:&quot;#FFFFFF&quot;,&quot;opacity&quot;:1,&quot;type&quot;:&quot;SOLID&quot;},&quot;pageBackground&quot;:{&quot;color&quot;:&quot;#DCDEE0&quot;,&quot;opacity&quot;:1,&quot;type&quot;:&quot;SOLID&quot;},&quot;playerText&quot;:{&quot;color&quot;:&quot;#34383D&quot;,&quot;opacity&quot;:1,&quot;type&quot;:&quot;SOLID&quot;},&quot;primaryButtonBackground&quot;:{&quot;color&quot;:&quot;#5F8BD9&quot;,&quot;opacity&quot;:1,&quot;type&quot;:&quot;SOLID&quot;},&quot;primaryButtonBackgroundHover&quot;:{&quot;color&quot;:&quot;#5077BB&quot;,&quot;opacity&quot;:1,&quot;type&quot;:&quot;SOLID&quot;},&quot;primaryButtonBorder&quot;:{&quot;color&quot;:&quot;#5F8BD9&quot;,&quot;opacity&quot;:1,&quot;type&quot;:&quot;SOLID&quot;},&quot;primaryButtonBorderHover&quot;:{&quot;color&quot;:&quot;#5077BB&quot;,&quot;opacity&quot;:1,&quot;type&quot;:&quot;SOLID&quot;},&quot;primaryButtonText&quot;:{&quot;color&quot;:&quot;#FFFFFF&quot;,&quot;opacity&quot;:1,&quot;type&quot;:&quot;SOLID&quot;},&quot;primaryButtonTextHover&quot;:{&quot;color&quot;:&quot;#FFFFFF&quot;,&quot;opacity&quot;:1,&quot;type&quot;:&quot;SOLID&quot;}},&quot;enablePlaybackRateControl&quot;:true,&quot;fontFamily&quot;:&quot;Arial&quot;,&quot;version&quot;:&quot;1.0&quot;},&quot;skinMessages&quot;:{&quot;PB_ACCESSIBLE_ARIA_LABEL_BACK_TO_BEGIN&quot;:&quot;Go to the beginning of the slide&quot;,&quot;PB_ACCESSIBLE_ARIA_LABEL_BOTTOM_PANEL&quot;:&quot;Bottom Bar&quot;,&quot;PB_ACCESSIBLE_ARIA_LABEL_NAVIGATION_BUTTONS&quot;:&quot;Navigation buttons&quot;,&quot;PB_ACCESSIBLE_ARIA_LABEL_SETTINGS&quot;:&quot;Accessibility Settings&quot;,&quot;PB_ACCESSIBLE_ARIA_LABEL_SLIDE&quot;:&quot;Slide&quot;,&quot;PB_ACCESSIBLE_ARIA_LABEL_TOP_PANEL&quot;:&quot;Top Bar&quot;,&quot;PB_ACCESSIBLE_AUDIO_NARRATION_LABEL&quot;:&quot;Audio narration&quot;,&quot;PB_ACCESSIBLE_NAVIGATION_NEXT_BUTTON&quot;:&quot;Next&quot;,&quot;PB_ACCESSIBLE_NAVIGATION_PREV_BUTTON&quot;:&quot;Previous&quot;,&quot;PB_ACCESSIBLE_PLAYER_SCENARIO_NOT_SUPPORTED&quot;:&quot;The role-play is not supported in the accessibility mode&quot;,&quot;PB_ACCESSIBLE_SKIN_ENABLE_ACCESSIBILITY_MODE&quot;:&quot;Turn on accessibility mode&quot;,&quot;PB_ACCESSIBLE_SKIN_ENABLE_NORMAL_MODE&quot;:&quot;Turn off accessibility mode&quot;,&quot;PB_ACCESSIBLE_VIDEO_NARRATION_LABEL&quot;:&quot;Video narration&quot;,&quot;PB_ACCESSIBLE_WATERMARK_SKIN_CREATED_WITH&quot;:&quot;Created with iSpring evaluation version&quot;,&quot;PB_BACK_TO_APP_BUTTON_LABEL&quot;:&quot;Go back&quot;,&quot;PB_CONTROL_PANEL_NEXT&quot;:&quot;Next&quot;,&quot;PB_CONTROL_PANEL_PREV&quot;:&quot;&quot;,&quot;PB_CURRENT_SLIDE_IS_NOT_COMPLETED&quot;:&quot;Complete the slide to go to the next one.&quot;,&quot;PB_DOMAIN_RESTRICTION&quot;:&quot;Sorry, the content author has prohibited sharing the presentation on this domain.&quot;,&quot;PB_ENTER_PASSWORD&quot;:&quot;Enter the password to view this presentation.&quot;,&quot;PB_INCORRECT_PASSWORD&quot;:&quot;Incorrect password.&quot;,&quot;PB_INTERACTION_SLIDE_WINDOW_TEXT&quot;:&quot;To advance to the next slide, complete this interaction.&quot;,&quot;PB_MESSAGE_BOX_NO&quot;:&quot;No&quot;,&quot;PB_MESSAGE_BOX_OK&quot;:&quot;OK&quot;,&quot;PB_MESSAGE_BOX_YES&quot;:&quot;Yes&quot;,&quot;PB_NAVIGATION_IS_RESTRICTED&quot;:&quot;You can only view slides in order.&quot;,&quot;PB_NAVIGATION_IS_SEQUENTIAL&quot;:&quot;You can only view slides in order.&quot;,&quot;PB_PLAYBACK_RATE_MENU_CAPTION&quot;:&quot;Speed&quot;,&quot;PB_PRECEDING_QUIZ_FAILED_WINDOW_TEXT&quot;:&quot;You haven't passed the quiz on slide %SLIDE_INDEX% and can't advance to the next slide.&quot;,&quot;PB_PRECEDING_QUIZ_NOT_COMPLETED_WINDOW_TEXT&quot;:&quot;To advance to this slide, complete the quiz on slide %SLIDE_INDEX%.&quot;,&quot;PB_PRECEDING_QUIZ_NOT_PASSED_WINDOW_TEXT&quot;:&quot;To advance to this slide, you need to pass the quiz on slide %SLIDE_INDEX%.&quot;,&quot;PB_PRECEDING_SCENARIO_FAILED_WINDOW_TEXT&quot;:&quot;You haven't passed the role-play on slide %SLIDE_INDEX% and can't advance to the next slide.&quot;,&quot;PB_PRECEDING_SCENARIO_NOT_COMPLETED_WINDOW_TEXT&quot;:&quot;To advance to this slide, complete the role-play on slide %SLIDE_INDEX%.&quot;,&quot;PB_PRECEDING_SCENARIO_NOT_PASSED_WINDOW_TEXT&quot;:&quot;To advance to this slide, you need to pass the role-play on slide %SLIDE_INDEX%.&quot;,&quot;PB_QUIZ_SLIDE_WINDOW_TEXT&quot;:&quot;To advance to the next slide, complete this quiz.&quot;,&quot;PB_RESTRICTION_MESSAGE_BOX_TITLE&quot;:&quot;Navigation is limited&quot;,&quot;PB_RESUME_PRESENTATION_WINDOW_TEXT&quot;:&quot;Do you want to resume where you left off?&quot;,&quot;PB_RESUME_PRESENTATION_WINDOW_TITLE&quot;:&quot;Resume Presentation&quot;,&quot;PB_SCENARIO_SLIDE_WINDOW_TEXT&quot;:&quot;To advance to the next slide, complete this role-play.&quot;,&quot;PB_SUBTITLES_MENU_CAPTION&quot;:&quot;Subtitles&quot;,&quot;PB_SUBTITLES_OFF&quot;:&quot;Off&quot;,&quot;PB_TIME_RESTRICTION&quot;:&quot;Sorry, the content author has prohibited viewing the presentation at this time.&quot;},&quot;playbackAndNavigationSettings&quot;:{&quot;autoStart&quot;:true,&quot;saveAnimationStates&quot;:true,&quot;loopPresentation&quot;:false,&quot;autoPlayAnimations&quot;:false,&quot;autoPlayAnimationsTime&quot;:1,&quot;navigationType&quot;:&quot;FREE&quot;,&quot;resumeMode&quot;:&quot;PROMPT&quot;,&quot;enableKeyboardNavigation&quot;:true},&quot;keyboardSettings&quot;:&quot;&quot;,&quot;skinVersion&quot;:2,&quot;skinCompatibleVersion&quot;:0,&quot;publishSettings&quot;:{&quot;backgroundColor&quot;:&quot;#DCDEE0&quot;,&quot;playerDimensions&quot;:{&quot;height&quot;:0,&quot;width&quot;:0},&quot;playerModule&quot;:&quot;NoneHtml&quot;,&quot;presentationContent&quot;:{&quot;resources&quot;:{&quot;attachments&quot;:false,&quot;fonts&quot;:[{&quot;charsets&quot;:{&quot;dynamicFormatted&quot;:[&quot;DCT_INTERACTIVITY_TEXT&quot;,&quot;DCT_INTERACTIVITY_SEMIBOLD_TEXT&quot;],&quot;dynamicPlain&quot;:[&quot;DCT_HYPERLINK_TOOLTIP&quot;],&quot;static&quot;:[&quot;Next&quot;,&quot;0123456789.,x&quot;,&quot;Speed&quot;,&quot;Yes&quot;,&quot;No&quot;,&quot;OK&quot;,&quot;Do you want to resume where you left off?&quot;,&quot;Complete the slide to go to the next one.&quot;,&quot;You can only view slides in order.&quot;,&quot;To advance to the next slide, complete this quiz.&quot;,&quot;To advance to this slide, you need to pass the quiz on slide %SLIDE_INDEX%.&quot;,&quot;To advance to this slide, complete the quiz on slide %SLIDE_INDEX%.&quot;,&quot;You haven't passed the quiz on slide %SLIDE_INDEX% and can't advance to the next slide.&quot;,&quot;To advance to the next slide, complete this interaction.&quot;,&quot;To advance to the next slide, complete this role-play.&quot;,&quot;To advance to this slide, you need to pass the role-play on slide %SLIDE_INDEX%.&quot;,&quot;To advance to this slide, complete the role-play on slide %SLIDE_INDEX%.&quot;,&quot;You haven't passed the role-play on slide %SLIDE_INDEX% and can't advance to the next slide.&quot;,&quot;Enter the password to view this presentation.&quot;,&quot;Incorrect password.&quot;,&quot;Sorry, the content author has prohibited sharing the presentation on this domain.&quot;,&quot;Sorry, the content author has prohibited viewing the presentation at this time.&quot;,&quot;Go back&quot;]},&quot;embedName&quot;:&quot;nPFn&quot;,&quot;fontFamily&quot;:&quot;Arial&quot;,&quot;isBold&quot;:false,&quot;isItalic&quot;:false,&quot;isSemibold&quot;:false,&quot;substituteFontFamily&quot;:&quot;Arial&quot;},{&quot;charsets&quot;:{&quot;dynamicFormatted&quot;:[&quot;DCT_INTERACTIVITY_TEXT&quot;,&quot;DCT_INTERACTIVITY_SEMIBOLD_TEXT&quot;],&quot;dynamicPlain&quot;:[&quot;DCT_HYPERLINK_TOOLTIP&quot;],&quot;static&quot;:[&quot;Next&quot;,&quot;0123456789.,x&quot;,&quot;Speed&quot;,&quot;Yes&quot;,&quot;No&quot;,&quot;OK&quot;,&quot;Do you want to resume where you left off?&quot;,&quot;Complete the slide to go to the next one.&quot;,&quot;You can only view slides in order.&quot;,&quot;To advance to the next slide, complete this quiz.&quot;,&quot;To advance to this slide, you need to pass the quiz on slide %SLIDE_INDEX%.&quot;,&quot;To advance to this slide, complete the quiz on slide %SLIDE_INDEX%.&quot;,&quot;You haven't passed the quiz on slide %SLIDE_INDEX% and can't advance to the next slide.&quot;,&quot;To advance to the next slide, complete this interaction.&quot;,&quot;To advance to the next slide, complete this role-play.&quot;,&quot;To advance to this slide, you need to pass the role-play on slide %SLIDE_INDEX%.&quot;,&quot;To advance to this slide, complete the role-play on slide %SLIDE_INDEX%.&quot;,&quot;You haven't passed the role-play on slide %SLIDE_INDEX% and can't advance to the next slide.&quot;,&quot;Enter the password to view this presentation.&quot;,&quot;Incorrect password.&quot;,&quot;Sorry, the content author has prohibited sharing the presentation on this domain.&quot;,&quot;Sorry, the content author has prohibited viewing the presentation at this time.&quot;,&quot;Go back&quot;]},&quot;embedName&quot;:&quot;nPFnb&quot;,&quot;fontFamily&quot;:&quot;Arial&quot;,&quot;isBold&quot;:true,&quot;isItalic&quot;:false,&quot;isSemibold&quot;:false,&quot;substituteFontFamily&quot;:&quot;Arial&quot;},{&quot;charsets&quot;:{&quot;dynamicFormatted&quot;:[&quot;DCT_INTERACTIVITY_TEXT&quot;,&quot;DCT_INTERACTIVITY_SEMIBOLD_TEXT&quot;],&quot;dynamicPlain&quot;:[&quot;DCT_HYPERLINK_TOOLTIP&quot;],&quot;static&quot;:[&quot;Next&quot;,&quot;0123456789.,x&quot;,&quot;Speed&quot;,&quot;Yes&quot;,&quot;No&quot;,&quot;OK&quot;,&quot;Do you want to resume where you left off?&quot;,&quot;Complete the slide to go to the next one.&quot;,&quot;You can only view slides in order.&quot;,&quot;To advance to the next slide, complete this quiz.&quot;,&quot;To advance to this slide, you need to pass the quiz on slide %SLIDE_INDEX%.&quot;,&quot;To advance to this slide, complete the quiz on slide %SLIDE_INDEX%.&quot;,&quot;You haven't passed the quiz on slide %SLIDE_INDEX% and can't advance to the next slide.&quot;,&quot;To advance to the next slide, complete this interaction.&quot;,&quot;To advance to the next slide, complete this role-play.&quot;,&quot;To advance to this slide, you need to pass the role-play on slide %SLIDE_INDEX%.&quot;,&quot;To advance to this slide, complete the role-play on slide %SLIDE_INDEX%.&quot;,&quot;You haven't passed the role-play on slide %SLIDE_INDEX% and can't advance to the next slide.&quot;,&quot;Enter the password to view this presentation.&quot;,&quot;Incorrect password.&quot;,&quot;Sorry, the content author has prohibited sharing the presentation on this domain.&quot;,&quot;Sorry, the content author has prohibited viewing the presentation at this time.&quot;,&quot;Go back&quot;]},&quot;embedName&quot;:&quot;nPFni&quot;,&quot;fontFamily&quot;:&quot;Arial&quot;,&quot;isBold&quot;:false,&quot;isItalic&quot;:true,&quot;isSemibold&quot;:false,&quot;substituteFontFamily&quot;:&quot;Arial&quot;},{&quot;charsets&quot;:{&quot;dynamicFormatted&quot;:[&quot;DCT_INTERACTIVITY_TEXT&quot;,&quot;DCT_INTERACTIVITY_SEMIBOLD_TEXT&quot;],&quot;dynamicPlain&quot;:[&quot;DCT_HYPERLINK_TOOLTIP&quot;],&quot;static&quot;:[&quot;Next&quot;,&quot;0123456789.,x&quot;,&quot;Speed&quot;,&quot;Yes&quot;,&quot;No&quot;,&quot;OK&quot;,&quot;Do you want to resume where you left off?&quot;,&quot;Complete the slide to go to the next one.&quot;,&quot;You can only view slides in order.&quot;,&quot;To advance to the next slide, complete this quiz.&quot;,&quot;To advance to this slide, you need to pass the quiz on slide %SLIDE_INDEX%.&quot;,&quot;To advance to this slide, complete the quiz on slide %SLIDE_INDEX%.&quot;,&quot;You haven't passed the quiz on slide %SLIDE_INDEX% and can't advance to the next slide.&quot;,&quot;To advance to the next slide, complete this interaction.&quot;,&quot;To advance to the next slide, complete this role-play.&quot;,&quot;To advance to this slide, you need to pass the role-play on slide %SLIDE_INDEX%.&quot;,&quot;To advance to this slide, complete the role-play on slide %SLIDE_INDEX%.&quot;,&quot;You haven't passed the role-play on slide %SLIDE_INDEX% and can't advance to the next slide.&quot;,&quot;Enter the password to view this presentation.&quot;,&quot;Incorrect password.&quot;,&quot;Sorry, the content author has prohibited sharing the presentation on this domain.&quot;,&quot;Sorry, the content author has prohibited viewing the presentation at this time.&quot;,&quot;Go back&quot;]},&quot;embedName&quot;:&quot;nPFnbi&quot;,&quot;fontFamily&quot;:&quot;Arial&quot;,&quot;isBold&quot;:true,&quot;isItalic&quot;:true,&quot;isSemibold&quot;:false,&quot;substituteFontFamily&quot;:&quot;Arial&quot;},{&quot;charsets&quot;:{&quot;dynamicFormatted&quot;:[&quot;DCT_INTERACTIVITY_TEXT&quot;,&quot;DCT_INTERACTIVITY_SEMIBOLD_TEXT&quot;],&quot;dynamicPlain&quot;:[&quot;DCT_HYPERLINK_TOOLTIP&quot;],&quot;static&quot;:[&quot;Next&quot;,&quot;0123456789.,x&quot;,&quot;Speed&quot;,&quot;Yes&quot;,&quot;No&quot;,&quot;OK&quot;,&quot;Do you want to resume where you left off?&quot;,&quot;Complete the slide to go to the next one.&quot;,&quot;You can only view slides in order.&quot;,&quot;To advance to the next slide, complete this quiz.&quot;,&quot;To advance to this slide, you need to pass the quiz on slide %SLIDE_INDEX%.&quot;,&quot;To advance to this slide, complete the quiz on slide %SLIDE_INDEX%.&quot;,&quot;You haven't passed the quiz on slide %SLIDE_INDEX% and can't advance to the next slide.&quot;,&quot;To advance to the next slide, complete this interaction.&quot;,&quot;To advance to the next slide, complete this role-play.&quot;,&quot;To advance to this slide, you need to pass the role-play on slide %SLIDE_INDEX%.&quot;,&quot;To advance to this slide, complete the role-play on slide %SLIDE_INDEX%.&quot;,&quot;You haven't passed the role-play on slide %SLIDE_INDEX% and can't advance to the next slide.&quot;,&quot;Enter the password to view this presentation.&quot;,&quot;Incorrect password.&quot;,&quot;Sorry, the content author has prohibited sharing the presentation on this domain.&quot;,&quot;Sorry, the content author has prohibited viewing the presentation at this time.&quot;,&quot;Go back&quot;]},&quot;embedName&quot;:&quot;nPFnsb&quot;,&quot;fontFamily&quot;:&quot;Arial&quot;,&quot;isBold&quot;:false,&quot;isItalic&quot;:false,&quot;isSemibold&quot;:true,&quot;substituteFontFamily&quot;:&quot;Arial&quot;},{&quot;charsets&quot;:{&quot;dynamicFormatted&quot;:[&quot;DCT_INTERACTIVITY_TEXT&quot;,&quot;DCT_INTERACTIVITY_SEMIBOLD_TEXT&quot;],&quot;dynamicPlain&quot;:[&quot;DCT_HYPERLINK_TOOLTIP&quot;],&quot;static&quot;:[&quot;Next&quot;,&quot;0123456789.,x&quot;,&quot;Speed&quot;,&quot;Yes&quot;,&quot;No&quot;,&quot;OK&quot;,&quot;Do you want to resume where you left off?&quot;,&quot;Complete the slide to go to the next one.&quot;,&quot;You can only view slides in order.&quot;,&quot;To advance to the next slide, complete this quiz.&quot;,&quot;To advance to this slide, you need to pass the quiz on slide %SLIDE_INDEX%.&quot;,&quot;To advance to this slide, complete the quiz on slide %SLIDE_INDEX%.&quot;,&quot;You haven't passed the quiz on slide %SLIDE_INDEX% and can't advance to the next slide.&quot;,&quot;To advance to the next slide, complete this interaction.&quot;,&quot;To advance to the next slide, complete this role-play.&quot;,&quot;To advance to this slide, you need to pass the role-play on slide %SLIDE_INDEX%.&quot;,&quot;To advance to this slide, complete the role-play on slide %SLIDE_INDEX%.&quot;,&quot;You haven't passed the role-play on slide %SLIDE_INDEX% and can't advance to the next slide.&quot;,&quot;Enter the password to view this presentation.&quot;,&quot;Incorrect password.&quot;,&quot;Sorry, the content author has prohibited sharing the presentation on this domain.&quot;,&quot;Sorry, the content author has prohibited viewing the presentation at this time.&quot;,&quot;Go back&quot;]},&quot;embedName&quot;:&quot;nPFnsbi&quot;,&quot;fontFamily&quot;:&quot;Arial&quot;,&quot;isBold&quot;:false,&quot;isItalic&quot;:true,&quot;isSemibold&quot;:true,&quot;substituteFontFamily&quot;:&quot;Arial&quot;}],&quot;interactivity&quot;:{&quot;fullSupport&quot;:true}}}},&quot;ceipData&quot;:{&quot;playerMessages&quot;:&quot;builtin.en&quot;,&quot;playerNavigationAcceleration&quot;:true,&quot;playerNavigationAutoStart&quot;:true,&quot;playerNavigationEnableKeyboardNavigation&quot;:true,&quot;playerNavigationOnRestart&quot;:&quot;prompt&quot;,&quot;playerNavigationSaveAnimationStates&quot;:true,&quot;playerNavigationType&quot;:&quot;free&quot;,&quot;playerTheme&quot;:&quot;builtin.lightBlue&quot;,&quot;playerThemeBorderRadius&quot;:10,&quot;playerThemeColorScheme&quot;:&quot;builtin.lightBlue&quot;,&quot;playerThemeFont&quot;:&quot;Arial&quot;}}}"/>
+  <p:tag name="ISPRING_OUTPUT_FOLDER" val="[[&quot;\uFFFD\uFFFDzV{57C549E0-46E2-4BE2-A8C6-FFFABDEA4AE1}&quot;,&quot;C:\\Users\\hp\\Desktop\\Projects\\Nabad\\Nabad\\psea\\en\\lessons&quot;],[&quot;N\uFFFD\u0018\u0012{FE710B7D-E998-49F5-8687-981FF794AE92}&quot;,&quot;C:\\Users\\pc\\Desktop\\Nabad\\safeguarding\\en\\lessons&quot;]]"/>
+  <p:tag name="ISPRING_SCREEN_RECS_UPDATED" val="C:\Users\hp\Desktop\Projects\Nabad\Nabad\safeguarding\en\lessons\barriers_reporting"/>
+  <p:tag name="ISPRING_RESOURCE_FOLDER" val="C:\Users\hp\Desktop\Projects\Nabad\Nabad\safeguarding\en\lessons\barriers_reporting"/>
+  <p:tag name="ISPRING_PRESENTATION_PATH" val="C:\Users\hp\Desktop\Projects\Nabad\Nabad\safeguarding\en\lessons\barriers_reporting.pptx"/>
   <p:tag name="ISPRING_SCORM_ENDPOINT" val="&lt;endpoint&gt;&lt;enable&gt;0&lt;/enable&gt;&lt;lrs&gt;https://&lt;/lrs&gt;&lt;auth&gt;0&lt;/auth&gt;&lt;login&gt;&lt;/login&gt;&lt;password&gt;&lt;/password&gt;&lt;key&gt;&lt;/key&gt;&lt;name&gt;&lt;/name&gt;&lt;email&gt;&lt;/email&gt;&lt;/endpoint&gt;&#10;"/>
-  <p:tag name="ISPRING_OUTPUT_FOLDER" val="[[&quot;\uFFFD\uFFFDzV{57C549E0-46E2-4BE2-A8C6-FFFABDEA4AE1}&quot;,&quot;C:\\Users\\hp\\Desktop\\Projects\\Nabad\\Nabad\\safeguarding\\en\\lessons&quot;],[&quot;N\uFFFD\u0018\u0012{FE710B7D-E998-49F5-8687-981FF794AE92}&quot;,&quot;C:\\Users\\pc\\Desktop\\Nabad\\safeguarding\\en\\lessons&quot;]]"/>
   <p:tag name="ISPRING_SCORM_RATE_QUIZZES" val="0"/>
 </p:tagLst>
 </file>
 
 <file path=ppt/tags/tag10.xml><?xml version="1.0" encoding="utf-8"?>
+<p:tagLst xmlns:a="http://schemas.openxmlformats.org/drawingml/2006/main" xmlns:r="http://schemas.openxmlformats.org/officeDocument/2006/relationships" xmlns:p="http://schemas.openxmlformats.org/presentationml/2006/main">
+  <p:tag name="ISPRING_SLIDE_INDENT_LEVEL" val="0"/>
+  <p:tag name="ISPRING_CUSTOM_TIMING_USED" val="1"/>
+  <p:tag name="ISPRING_SLIDE_ID_2" val="{42707736-AD57-4B34-8145-5B9D71B23F3E}"/>
+  <p:tag name="GENSWF_ADVANCE_TIME" val="0.000"/>
+  <p:tag name="ISPRING_PLAYER_LAYOUT_TYPE" val="Full"/>
+  <p:tag name="ISPRING_SLIDE_BRANCHING_PROPERTIES" val="&lt;BranchingProperties&gt;&lt;nextAction&gt;&lt;action&gt;0&lt;/action&gt;&lt;/nextAction&gt;&lt;prevAction&gt;&lt;action&gt;0&lt;/action&gt;&lt;/prevAction&gt;&lt;lock&gt;0&lt;/lock&gt;&lt;/BranchingProperties&gt;&#10;"/>
+  <p:tag name="GENSWF_SLIDE_UID" val="{655038A6-A3CD-4214-A16F-75D2DE3BAC5E}:355"/>
+</p:tagLst>
+</file>
+
+<file path=ppt/tags/tag11.xml><?xml version="1.0" encoding="utf-8"?>
+<p:tagLst xmlns:a="http://schemas.openxmlformats.org/drawingml/2006/main" xmlns:r="http://schemas.openxmlformats.org/officeDocument/2006/relationships" xmlns:p="http://schemas.openxmlformats.org/presentationml/2006/main">
+  <p:tag name="ISPRING_CONTENTLIB_ASSET_META" val="{&quot;ai&quot;:&quot;rdOkXcOaTGYpTAxKb_FKUA&quot;,&quot;gi&quot;:&quot;F4oRbJN6d9OAc-GqBTKO6A&quot;,&quot;ti&quot;:&quot;characters&quot;,&quot;vs&quot;:{&quot;f&quot;:[3912,708],&quot;i&quot;:{&quot;d&quot;:&quot;rdOkXcOaTGYpTAxKb_FKUA&quot;,&quot;p&quot;:true}},&quot;at&quot;:&quot;DEFAULT&quot;}"/>
+</p:tagLst>
+</file>
+
+<file path=ppt/tags/tag12.xml><?xml version="1.0" encoding="utf-8"?>
 <p:tagLst xmlns:a="http://schemas.openxmlformats.org/drawingml/2006/main" xmlns:r="http://schemas.openxmlformats.org/officeDocument/2006/relationships" xmlns:p="http://schemas.openxmlformats.org/presentationml/2006/main">
   <p:tag name="ISPRING_SLIDE_INDENT_LEVEL" val="0"/>
   <p:tag name="ISPRING_CUSTOM_TIMING_USED" val="1"/>
@@ -2948,9 +3231,9 @@
 </p:tagLst>
 </file>
 
-<file path=ppt/tags/tag11.xml><?xml version="1.0" encoding="utf-8"?>
+<file path=ppt/tags/tag13.xml><?xml version="1.0" encoding="utf-8"?>
 <p:tagLst xmlns:a="http://schemas.openxmlformats.org/drawingml/2006/main" xmlns:r="http://schemas.openxmlformats.org/officeDocument/2006/relationships" xmlns:p="http://schemas.openxmlformats.org/presentationml/2006/main">
-  <p:tag name="ISPRING_CONTENTLIB_ASSET_META" val="{&quot;ai&quot;:&quot;jJkzN7hbHMn9UivIMVUVdg&quot;,&quot;gi&quot;:&quot;OuzJKe1qyA-ZGuPX76F_JQ&quot;,&quot;ti&quot;:&quot;characters&quot;,&quot;vs&quot;:{&quot;f&quot;:[3839,1404],&quot;i&quot;:{&quot;d&quot;:&quot;jJkzN7hbHMn9UivIMVUVdg&quot;,&quot;p&quot;:true}},&quot;at&quot;:&quot;DEFAULT&quot;}"/>
+  <p:tag name="ISPRING_CONTENTLIB_ASSET_META" val="{&quot;ai&quot;:&quot;rdOkXcOaTGYpTAxKb_FKUA&quot;,&quot;gi&quot;:&quot;F4oRbJN6d9OAc-GqBTKO6A&quot;,&quot;ti&quot;:&quot;characters&quot;,&quot;vs&quot;:{&quot;f&quot;:[3912,708],&quot;i&quot;:{&quot;d&quot;:&quot;rdOkXcOaTGYpTAxKb_FKUA&quot;,&quot;p&quot;:true}},&quot;at&quot;:&quot;DEFAULT&quot;}"/>
 </p:tagLst>
 </file>
 
@@ -2969,7 +3252,7 @@
 
 <file path=ppt/tags/tag3.xml><?xml version="1.0" encoding="utf-8"?>
 <p:tagLst xmlns:a="http://schemas.openxmlformats.org/drawingml/2006/main" xmlns:r="http://schemas.openxmlformats.org/officeDocument/2006/relationships" xmlns:p="http://schemas.openxmlformats.org/presentationml/2006/main">
-  <p:tag name="ISPRING_CONTENTLIB_ASSET_META" val="{&quot;ai&quot;:&quot;V2-npn_yBsPY23-V81lxAQ&quot;,&quot;gi&quot;:&quot;1fZJ8NHc23CExGdnBjEcCQ&quot;,&quot;ti&quot;:&quot;characters&quot;,&quot;vs&quot;:{&quot;f&quot;:[3838,1404],&quot;i&quot;:{&quot;d&quot;:&quot;V2-npn_yBsPY23-V81lxAQ&quot;,&quot;p&quot;:true}},&quot;at&quot;:&quot;DEFAULT&quot;}"/>
+  <p:tag name="ISPRING_CONTENTLIB_ASSET_META" val="{&quot;ai&quot;:&quot;rdOkXcOaTGYpTAxKb_FKUA&quot;,&quot;gi&quot;:&quot;F4oRbJN6d9OAc-GqBTKO6A&quot;,&quot;ti&quot;:&quot;characters&quot;,&quot;vs&quot;:{&quot;f&quot;:[3912,708],&quot;i&quot;:{&quot;d&quot;:&quot;rdOkXcOaTGYpTAxKb_FKUA&quot;,&quot;p&quot;:true}},&quot;at&quot;:&quot;DEFAULT&quot;}"/>
 </p:tagLst>
 </file>
 
@@ -2987,7 +3270,7 @@
 
 <file path=ppt/tags/tag5.xml><?xml version="1.0" encoding="utf-8"?>
 <p:tagLst xmlns:a="http://schemas.openxmlformats.org/drawingml/2006/main" xmlns:r="http://schemas.openxmlformats.org/officeDocument/2006/relationships" xmlns:p="http://schemas.openxmlformats.org/presentationml/2006/main">
-  <p:tag name="ISPRING_CONTENTLIB_ASSET_META" val="{&quot;ai&quot;:&quot;jJkzN7hbHMn9UivIMVUVdg&quot;,&quot;gi&quot;:&quot;OuzJKe1qyA-ZGuPX76F_JQ&quot;,&quot;ti&quot;:&quot;characters&quot;,&quot;vs&quot;:{&quot;f&quot;:[3839,1404],&quot;i&quot;:{&quot;d&quot;:&quot;jJkzN7hbHMn9UivIMVUVdg&quot;,&quot;p&quot;:true}},&quot;at&quot;:&quot;DEFAULT&quot;}"/>
+  <p:tag name="ISPRING_CONTENTLIB_ASSET_META" val="{&quot;ai&quot;:&quot;rdOkXcOaTGYpTAxKb_FKUA&quot;,&quot;gi&quot;:&quot;F4oRbJN6d9OAc-GqBTKO6A&quot;,&quot;ti&quot;:&quot;characters&quot;,&quot;vs&quot;:{&quot;f&quot;:[3912,708],&quot;i&quot;:{&quot;d&quot;:&quot;rdOkXcOaTGYpTAxKb_FKUA&quot;,&quot;p&quot;:true}},&quot;at&quot;:&quot;DEFAULT&quot;}"/>
 </p:tagLst>
 </file>
 
@@ -2997,15 +3280,15 @@
   <p:tag name="ISPRING_CUSTOM_TIMING_USED" val="1"/>
   <p:tag name="ISPRING_SLIDE_ID_2" val="{42707736-AD57-4B34-8145-5B9D71B23F3E}"/>
   <p:tag name="GENSWF_ADVANCE_TIME" val="0.000"/>
-  <p:tag name="GENSWF_SLIDE_UID" val="{5A1C97C3-B39F-4AC1-979F-0ABBC504667B}:349"/>
   <p:tag name="ISPRING_PLAYER_LAYOUT_TYPE" val="Full"/>
   <p:tag name="ISPRING_SLIDE_BRANCHING_PROPERTIES" val="&lt;BranchingProperties&gt;&lt;nextAction&gt;&lt;action&gt;0&lt;/action&gt;&lt;/nextAction&gt;&lt;prevAction&gt;&lt;action&gt;0&lt;/action&gt;&lt;/prevAction&gt;&lt;lock&gt;0&lt;/lock&gt;&lt;/BranchingProperties&gt;&#10;"/>
+  <p:tag name="GENSWF_SLIDE_UID" val="{BE349A08-CF9B-45FE-921C-26EEFC844E35}:352"/>
 </p:tagLst>
 </file>
 
 <file path=ppt/tags/tag7.xml><?xml version="1.0" encoding="utf-8"?>
 <p:tagLst xmlns:a="http://schemas.openxmlformats.org/drawingml/2006/main" xmlns:r="http://schemas.openxmlformats.org/officeDocument/2006/relationships" xmlns:p="http://schemas.openxmlformats.org/presentationml/2006/main">
-  <p:tag name="ISPRING_CONTENTLIB_ASSET_META" val="{&quot;ai&quot;:&quot;jJkzN7hbHMn9UivIMVUVdg&quot;,&quot;gi&quot;:&quot;OuzJKe1qyA-ZGuPX76F_JQ&quot;,&quot;ti&quot;:&quot;characters&quot;,&quot;vs&quot;:{&quot;f&quot;:[3839,1404],&quot;i&quot;:{&quot;d&quot;:&quot;jJkzN7hbHMn9UivIMVUVdg&quot;,&quot;p&quot;:true}},&quot;at&quot;:&quot;DEFAULT&quot;}"/>
+  <p:tag name="ISPRING_CONTENTLIB_ASSET_META" val="{&quot;ai&quot;:&quot;rdOkXcOaTGYpTAxKb_FKUA&quot;,&quot;gi&quot;:&quot;F4oRbJN6d9OAc-GqBTKO6A&quot;,&quot;ti&quot;:&quot;characters&quot;,&quot;vs&quot;:{&quot;f&quot;:[3912,708],&quot;i&quot;:{&quot;d&quot;:&quot;rdOkXcOaTGYpTAxKb_FKUA&quot;,&quot;p&quot;:true}},&quot;at&quot;:&quot;DEFAULT&quot;}"/>
 </p:tagLst>
 </file>
 
@@ -3015,15 +3298,15 @@
   <p:tag name="ISPRING_CUSTOM_TIMING_USED" val="1"/>
   <p:tag name="ISPRING_SLIDE_ID_2" val="{42707736-AD57-4B34-8145-5B9D71B23F3E}"/>
   <p:tag name="GENSWF_ADVANCE_TIME" val="0.000"/>
-  <p:tag name="GENSWF_SLIDE_UID" val="{DC2995D2-DB41-4D52-8DA3-971C89F80179}:350"/>
   <p:tag name="ISPRING_PLAYER_LAYOUT_TYPE" val="Full"/>
   <p:tag name="ISPRING_SLIDE_BRANCHING_PROPERTIES" val="&lt;BranchingProperties&gt;&lt;nextAction&gt;&lt;action&gt;0&lt;/action&gt;&lt;/nextAction&gt;&lt;prevAction&gt;&lt;action&gt;0&lt;/action&gt;&lt;/prevAction&gt;&lt;lock&gt;0&lt;/lock&gt;&lt;/BranchingProperties&gt;&#10;"/>
+  <p:tag name="GENSWF_SLIDE_UID" val="{6CAABCA2-9629-450B-9001-6AB2913B662B}:354"/>
 </p:tagLst>
 </file>
 
 <file path=ppt/tags/tag9.xml><?xml version="1.0" encoding="utf-8"?>
 <p:tagLst xmlns:a="http://schemas.openxmlformats.org/drawingml/2006/main" xmlns:r="http://schemas.openxmlformats.org/officeDocument/2006/relationships" xmlns:p="http://schemas.openxmlformats.org/presentationml/2006/main">
-  <p:tag name="ISPRING_CONTENTLIB_ASSET_META" val="{&quot;ai&quot;:&quot;jJkzN7hbHMn9UivIMVUVdg&quot;,&quot;gi&quot;:&quot;OuzJKe1qyA-ZGuPX76F_JQ&quot;,&quot;ti&quot;:&quot;characters&quot;,&quot;vs&quot;:{&quot;f&quot;:[3839,1404],&quot;i&quot;:{&quot;d&quot;:&quot;jJkzN7hbHMn9UivIMVUVdg&quot;,&quot;p&quot;:true}},&quot;at&quot;:&quot;DEFAULT&quot;}"/>
+  <p:tag name="ISPRING_CONTENTLIB_ASSET_META" val="{&quot;ai&quot;:&quot;rdOkXcOaTGYpTAxKb_FKUA&quot;,&quot;gi&quot;:&quot;F4oRbJN6d9OAc-GqBTKO6A&quot;,&quot;ti&quot;:&quot;characters&quot;,&quot;vs&quot;:{&quot;f&quot;:[3912,708],&quot;i&quot;:{&quot;d&quot;:&quot;rdOkXcOaTGYpTAxKb_FKUA&quot;,&quot;p&quot;:true}},&quot;at&quot;:&quot;DEFAULT&quot;}"/>
 </p:tagLst>
 </file>
 
